--- a/PowerPoint/今リメイクしてほしいものプレゼンR_01_入澤風山.pptx
+++ b/PowerPoint/今リメイクしてほしいものプレゼンR_01_入澤風山.pptx
@@ -4,6 +4,9 @@
   <p:sldMasterIdLst>
     <p:sldMasterId id="2147483648" r:id="rId4"/>
   </p:sldMasterIdLst>
+  <p:notesMasterIdLst>
+    <p:notesMasterId r:id="rId10"/>
+  </p:notesMasterIdLst>
   <p:sldIdLst>
     <p:sldId id="258" r:id="rId5"/>
     <p:sldId id="257" r:id="rId6"/>
@@ -108,7 +111,393 @@
       </a:defRPr>
     </a:lvl9pPr>
   </p:defaultTextStyle>
+  <p:extLst>
+    <p:ext uri="{EFAFB233-063F-42B5-8137-9DF3F51BA10A}">
+      <p15:sldGuideLst xmlns:p15="http://schemas.microsoft.com/office/powerpoint/2012/main"/>
+    </p:ext>
+  </p:extLst>
 </p:presentation>
+</file>
+
+<file path=ppt/notesMasters/notesMaster1.xml><?xml version="1.0" encoding="utf-8"?>
+<p:notesMaster xmlns:a="http://schemas.openxmlformats.org/drawingml/2006/main" xmlns:r="http://schemas.openxmlformats.org/officeDocument/2006/relationships" xmlns:p="http://schemas.openxmlformats.org/presentationml/2006/main">
+  <p:cSld>
+    <p:bg>
+      <p:bgRef idx="1001">
+        <a:schemeClr val="bg1"/>
+      </p:bgRef>
+    </p:bg>
+    <p:spTree>
+      <p:nvGrpSpPr>
+        <p:cNvPr id="1" name=""/>
+        <p:cNvGrpSpPr/>
+        <p:nvPr/>
+      </p:nvGrpSpPr>
+      <p:grpSpPr>
+        <a:xfrm>
+          <a:off x="0" y="0"/>
+          <a:ext cx="0" cy="0"/>
+          <a:chOff x="0" y="0"/>
+          <a:chExt cx="0" cy="0"/>
+        </a:xfrm>
+      </p:grpSpPr>
+      <p:sp>
+        <p:nvSpPr>
+          <p:cNvPr id="2" name="ヘッダー プレースホルダー 1"/>
+          <p:cNvSpPr>
+            <a:spLocks noGrp="1"/>
+          </p:cNvSpPr>
+          <p:nvPr>
+            <p:ph type="hdr" sz="quarter"/>
+          </p:nvPr>
+        </p:nvSpPr>
+        <p:spPr>
+          <a:xfrm>
+            <a:off x="0" y="0"/>
+            <a:ext cx="2971800" cy="458788"/>
+          </a:xfrm>
+          <a:prstGeom prst="rect">
+            <a:avLst/>
+          </a:prstGeom>
+        </p:spPr>
+        <p:txBody>
+          <a:bodyPr vert="horz" lIns="91440" tIns="45720" rIns="91440" bIns="45720" rtlCol="0"/>
+          <a:lstStyle>
+            <a:lvl1pPr algn="l">
+              <a:defRPr sz="1200"/>
+            </a:lvl1pPr>
+          </a:lstStyle>
+          <a:p>
+            <a:endParaRPr kumimoji="1" lang="ja-JP" altLang="en-US"/>
+          </a:p>
+        </p:txBody>
+      </p:sp>
+      <p:sp>
+        <p:nvSpPr>
+          <p:cNvPr id="3" name="日付プレースホルダー 2"/>
+          <p:cNvSpPr>
+            <a:spLocks noGrp="1"/>
+          </p:cNvSpPr>
+          <p:nvPr>
+            <p:ph type="dt" idx="1"/>
+          </p:nvPr>
+        </p:nvSpPr>
+        <p:spPr>
+          <a:xfrm>
+            <a:off x="3884613" y="0"/>
+            <a:ext cx="2971800" cy="458788"/>
+          </a:xfrm>
+          <a:prstGeom prst="rect">
+            <a:avLst/>
+          </a:prstGeom>
+        </p:spPr>
+        <p:txBody>
+          <a:bodyPr vert="horz" lIns="91440" tIns="45720" rIns="91440" bIns="45720" rtlCol="0"/>
+          <a:lstStyle>
+            <a:lvl1pPr algn="r">
+              <a:defRPr sz="1200"/>
+            </a:lvl1pPr>
+          </a:lstStyle>
+          <a:p>
+            <a:fld id="{CB19F50B-FF7E-417B-BE91-7F30F8AC2AAF}" type="datetimeFigureOut">
+              <a:rPr kumimoji="1" lang="ja-JP" altLang="en-US" smtClean="0"/>
+              <a:t>2025/7/4</a:t>
+            </a:fld>
+            <a:endParaRPr kumimoji="1" lang="ja-JP" altLang="en-US"/>
+          </a:p>
+        </p:txBody>
+      </p:sp>
+      <p:sp>
+        <p:nvSpPr>
+          <p:cNvPr id="4" name="スライド イメージ プレースホルダー 3"/>
+          <p:cNvSpPr>
+            <a:spLocks noGrp="1" noRot="1" noChangeAspect="1"/>
+          </p:cNvSpPr>
+          <p:nvPr>
+            <p:ph type="sldImg" idx="2"/>
+          </p:nvPr>
+        </p:nvSpPr>
+        <p:spPr>
+          <a:xfrm>
+            <a:off x="685800" y="1143000"/>
+            <a:ext cx="5486400" cy="3086100"/>
+          </a:xfrm>
+          <a:prstGeom prst="rect">
+            <a:avLst/>
+          </a:prstGeom>
+          <a:noFill/>
+          <a:ln w="12700">
+            <a:solidFill>
+              <a:prstClr val="black"/>
+            </a:solidFill>
+          </a:ln>
+        </p:spPr>
+        <p:txBody>
+          <a:bodyPr vert="horz" lIns="91440" tIns="45720" rIns="91440" bIns="45720" rtlCol="0" anchor="ctr"/>
+          <a:lstStyle/>
+          <a:p>
+            <a:endParaRPr lang="ja-JP" altLang="en-US"/>
+          </a:p>
+        </p:txBody>
+      </p:sp>
+      <p:sp>
+        <p:nvSpPr>
+          <p:cNvPr id="5" name="ノート プレースホルダー 4"/>
+          <p:cNvSpPr>
+            <a:spLocks noGrp="1"/>
+          </p:cNvSpPr>
+          <p:nvPr>
+            <p:ph type="body" sz="quarter" idx="3"/>
+          </p:nvPr>
+        </p:nvSpPr>
+        <p:spPr>
+          <a:xfrm>
+            <a:off x="685800" y="4400550"/>
+            <a:ext cx="5486400" cy="3600450"/>
+          </a:xfrm>
+          <a:prstGeom prst="rect">
+            <a:avLst/>
+          </a:prstGeom>
+        </p:spPr>
+        <p:txBody>
+          <a:bodyPr vert="horz" lIns="91440" tIns="45720" rIns="91440" bIns="45720" rtlCol="0"/>
+          <a:lstStyle/>
+          <a:p>
+            <a:pPr lvl="0"/>
+            <a:r>
+              <a:rPr kumimoji="1" lang="ja-JP" altLang="en-US"/>
+              <a:t>マスター テキストの書式設定</a:t>
+            </a:r>
+          </a:p>
+          <a:p>
+            <a:pPr lvl="1"/>
+            <a:r>
+              <a:rPr kumimoji="1" lang="ja-JP" altLang="en-US"/>
+              <a:t>第 </a:t>
+            </a:r>
+            <a:r>
+              <a:rPr kumimoji="1" lang="en-US" altLang="ja-JP"/>
+              <a:t>2 </a:t>
+            </a:r>
+            <a:r>
+              <a:rPr kumimoji="1" lang="ja-JP" altLang="en-US"/>
+              <a:t>レベル</a:t>
+            </a:r>
+          </a:p>
+          <a:p>
+            <a:pPr lvl="2"/>
+            <a:r>
+              <a:rPr kumimoji="1" lang="ja-JP" altLang="en-US"/>
+              <a:t>第 </a:t>
+            </a:r>
+            <a:r>
+              <a:rPr kumimoji="1" lang="en-US" altLang="ja-JP"/>
+              <a:t>3 </a:t>
+            </a:r>
+            <a:r>
+              <a:rPr kumimoji="1" lang="ja-JP" altLang="en-US"/>
+              <a:t>レベル</a:t>
+            </a:r>
+          </a:p>
+          <a:p>
+            <a:pPr lvl="3"/>
+            <a:r>
+              <a:rPr kumimoji="1" lang="ja-JP" altLang="en-US"/>
+              <a:t>第 </a:t>
+            </a:r>
+            <a:r>
+              <a:rPr kumimoji="1" lang="en-US" altLang="ja-JP"/>
+              <a:t>4 </a:t>
+            </a:r>
+            <a:r>
+              <a:rPr kumimoji="1" lang="ja-JP" altLang="en-US"/>
+              <a:t>レベル</a:t>
+            </a:r>
+          </a:p>
+          <a:p>
+            <a:pPr lvl="4"/>
+            <a:r>
+              <a:rPr kumimoji="1" lang="ja-JP" altLang="en-US"/>
+              <a:t>第 </a:t>
+            </a:r>
+            <a:r>
+              <a:rPr kumimoji="1" lang="en-US" altLang="ja-JP"/>
+              <a:t>5 </a:t>
+            </a:r>
+            <a:r>
+              <a:rPr kumimoji="1" lang="ja-JP" altLang="en-US"/>
+              <a:t>レベル</a:t>
+            </a:r>
+          </a:p>
+        </p:txBody>
+      </p:sp>
+      <p:sp>
+        <p:nvSpPr>
+          <p:cNvPr id="6" name="フッター プレースホルダー 5"/>
+          <p:cNvSpPr>
+            <a:spLocks noGrp="1"/>
+          </p:cNvSpPr>
+          <p:nvPr>
+            <p:ph type="ftr" sz="quarter" idx="4"/>
+          </p:nvPr>
+        </p:nvSpPr>
+        <p:spPr>
+          <a:xfrm>
+            <a:off x="0" y="8685213"/>
+            <a:ext cx="2971800" cy="458787"/>
+          </a:xfrm>
+          <a:prstGeom prst="rect">
+            <a:avLst/>
+          </a:prstGeom>
+        </p:spPr>
+        <p:txBody>
+          <a:bodyPr vert="horz" lIns="91440" tIns="45720" rIns="91440" bIns="45720" rtlCol="0" anchor="b"/>
+          <a:lstStyle>
+            <a:lvl1pPr algn="l">
+              <a:defRPr sz="1200"/>
+            </a:lvl1pPr>
+          </a:lstStyle>
+          <a:p>
+            <a:endParaRPr kumimoji="1" lang="ja-JP" altLang="en-US"/>
+          </a:p>
+        </p:txBody>
+      </p:sp>
+      <p:sp>
+        <p:nvSpPr>
+          <p:cNvPr id="7" name="スライド番号プレースホルダー 6"/>
+          <p:cNvSpPr>
+            <a:spLocks noGrp="1"/>
+          </p:cNvSpPr>
+          <p:nvPr>
+            <p:ph type="sldNum" sz="quarter" idx="5"/>
+          </p:nvPr>
+        </p:nvSpPr>
+        <p:spPr>
+          <a:xfrm>
+            <a:off x="3884613" y="8685213"/>
+            <a:ext cx="2971800" cy="458787"/>
+          </a:xfrm>
+          <a:prstGeom prst="rect">
+            <a:avLst/>
+          </a:prstGeom>
+        </p:spPr>
+        <p:txBody>
+          <a:bodyPr vert="horz" lIns="91440" tIns="45720" rIns="91440" bIns="45720" rtlCol="0" anchor="b"/>
+          <a:lstStyle>
+            <a:lvl1pPr algn="r">
+              <a:defRPr sz="1200"/>
+            </a:lvl1pPr>
+          </a:lstStyle>
+          <a:p>
+            <a:fld id="{DEA5E8BB-5435-476F-A8A8-EB93FD40418C}" type="slidenum">
+              <a:rPr kumimoji="1" lang="ja-JP" altLang="en-US" smtClean="0"/>
+              <a:t>‹#›</a:t>
+            </a:fld>
+            <a:endParaRPr kumimoji="1" lang="ja-JP" altLang="en-US"/>
+          </a:p>
+        </p:txBody>
+      </p:sp>
+    </p:spTree>
+    <p:extLst>
+      <p:ext uri="{BB962C8B-B14F-4D97-AF65-F5344CB8AC3E}">
+        <p14:creationId xmlns:p14="http://schemas.microsoft.com/office/powerpoint/2010/main" val="3736527632"/>
+      </p:ext>
+    </p:extLst>
+  </p:cSld>
+  <p:clrMap bg1="lt1" tx1="dk1" bg2="lt2" tx2="dk2" accent1="accent1" accent2="accent2" accent3="accent3" accent4="accent4" accent5="accent5" accent6="accent6" hlink="hlink" folHlink="folHlink"/>
+  <p:notesStyle>
+    <a:lvl1pPr marL="0" algn="l" defTabSz="914400" rtl="0" eaLnBrk="1" latinLnBrk="0" hangingPunct="1">
+      <a:defRPr kumimoji="1" sz="1200" kern="1200">
+        <a:solidFill>
+          <a:schemeClr val="tx1"/>
+        </a:solidFill>
+        <a:latin typeface="+mn-lt"/>
+        <a:ea typeface="+mn-ea"/>
+        <a:cs typeface="+mn-cs"/>
+      </a:defRPr>
+    </a:lvl1pPr>
+    <a:lvl2pPr marL="457200" algn="l" defTabSz="914400" rtl="0" eaLnBrk="1" latinLnBrk="0" hangingPunct="1">
+      <a:defRPr kumimoji="1" sz="1200" kern="1200">
+        <a:solidFill>
+          <a:schemeClr val="tx1"/>
+        </a:solidFill>
+        <a:latin typeface="+mn-lt"/>
+        <a:ea typeface="+mn-ea"/>
+        <a:cs typeface="+mn-cs"/>
+      </a:defRPr>
+    </a:lvl2pPr>
+    <a:lvl3pPr marL="914400" algn="l" defTabSz="914400" rtl="0" eaLnBrk="1" latinLnBrk="0" hangingPunct="1">
+      <a:defRPr kumimoji="1" sz="1200" kern="1200">
+        <a:solidFill>
+          <a:schemeClr val="tx1"/>
+        </a:solidFill>
+        <a:latin typeface="+mn-lt"/>
+        <a:ea typeface="+mn-ea"/>
+        <a:cs typeface="+mn-cs"/>
+      </a:defRPr>
+    </a:lvl3pPr>
+    <a:lvl4pPr marL="1371600" algn="l" defTabSz="914400" rtl="0" eaLnBrk="1" latinLnBrk="0" hangingPunct="1">
+      <a:defRPr kumimoji="1" sz="1200" kern="1200">
+        <a:solidFill>
+          <a:schemeClr val="tx1"/>
+        </a:solidFill>
+        <a:latin typeface="+mn-lt"/>
+        <a:ea typeface="+mn-ea"/>
+        <a:cs typeface="+mn-cs"/>
+      </a:defRPr>
+    </a:lvl4pPr>
+    <a:lvl5pPr marL="1828800" algn="l" defTabSz="914400" rtl="0" eaLnBrk="1" latinLnBrk="0" hangingPunct="1">
+      <a:defRPr kumimoji="1" sz="1200" kern="1200">
+        <a:solidFill>
+          <a:schemeClr val="tx1"/>
+        </a:solidFill>
+        <a:latin typeface="+mn-lt"/>
+        <a:ea typeface="+mn-ea"/>
+        <a:cs typeface="+mn-cs"/>
+      </a:defRPr>
+    </a:lvl5pPr>
+    <a:lvl6pPr marL="2286000" algn="l" defTabSz="914400" rtl="0" eaLnBrk="1" latinLnBrk="0" hangingPunct="1">
+      <a:defRPr kumimoji="1" sz="1200" kern="1200">
+        <a:solidFill>
+          <a:schemeClr val="tx1"/>
+        </a:solidFill>
+        <a:latin typeface="+mn-lt"/>
+        <a:ea typeface="+mn-ea"/>
+        <a:cs typeface="+mn-cs"/>
+      </a:defRPr>
+    </a:lvl6pPr>
+    <a:lvl7pPr marL="2743200" algn="l" defTabSz="914400" rtl="0" eaLnBrk="1" latinLnBrk="0" hangingPunct="1">
+      <a:defRPr kumimoji="1" sz="1200" kern="1200">
+        <a:solidFill>
+          <a:schemeClr val="tx1"/>
+        </a:solidFill>
+        <a:latin typeface="+mn-lt"/>
+        <a:ea typeface="+mn-ea"/>
+        <a:cs typeface="+mn-cs"/>
+      </a:defRPr>
+    </a:lvl7pPr>
+    <a:lvl8pPr marL="3200400" algn="l" defTabSz="914400" rtl="0" eaLnBrk="1" latinLnBrk="0" hangingPunct="1">
+      <a:defRPr kumimoji="1" sz="1200" kern="1200">
+        <a:solidFill>
+          <a:schemeClr val="tx1"/>
+        </a:solidFill>
+        <a:latin typeface="+mn-lt"/>
+        <a:ea typeface="+mn-ea"/>
+        <a:cs typeface="+mn-cs"/>
+      </a:defRPr>
+    </a:lvl8pPr>
+    <a:lvl9pPr marL="3657600" algn="l" defTabSz="914400" rtl="0" eaLnBrk="1" latinLnBrk="0" hangingPunct="1">
+      <a:defRPr kumimoji="1" sz="1200" kern="1200">
+        <a:solidFill>
+          <a:schemeClr val="tx1"/>
+        </a:solidFill>
+        <a:latin typeface="+mn-lt"/>
+        <a:ea typeface="+mn-ea"/>
+        <a:cs typeface="+mn-cs"/>
+      </a:defRPr>
+    </a:lvl9pPr>
+  </p:notesStyle>
+</p:notesMaster>
 </file>
 
 <file path=ppt/slideLayouts/slideLayout1.xml><?xml version="1.0" encoding="utf-8"?>
@@ -258,7 +647,7 @@
           <a:p>
             <a:fld id="{9D4BEFB9-8B91-41DF-B496-E09050F61FAD}" type="datetimeFigureOut">
               <a:rPr kumimoji="1" lang="ja-JP" altLang="en-US" smtClean="0"/>
-              <a:t>2025/7/3</a:t>
+              <a:t>2025/7/4</a:t>
             </a:fld>
             <a:endParaRPr kumimoji="1" lang="ja-JP" altLang="en-US"/>
           </a:p>
@@ -488,7 +877,7 @@
           <a:p>
             <a:fld id="{9D4BEFB9-8B91-41DF-B496-E09050F61FAD}" type="datetimeFigureOut">
               <a:rPr kumimoji="1" lang="ja-JP" altLang="en-US" smtClean="0"/>
-              <a:t>2025/7/3</a:t>
+              <a:t>2025/7/4</a:t>
             </a:fld>
             <a:endParaRPr kumimoji="1" lang="ja-JP" altLang="en-US"/>
           </a:p>
@@ -728,7 +1117,7 @@
           <a:p>
             <a:fld id="{9D4BEFB9-8B91-41DF-B496-E09050F61FAD}" type="datetimeFigureOut">
               <a:rPr kumimoji="1" lang="ja-JP" altLang="en-US" smtClean="0"/>
-              <a:t>2025/7/3</a:t>
+              <a:t>2025/7/4</a:t>
             </a:fld>
             <a:endParaRPr kumimoji="1" lang="ja-JP" altLang="en-US"/>
           </a:p>
@@ -958,7 +1347,7 @@
           <a:p>
             <a:fld id="{9D4BEFB9-8B91-41DF-B496-E09050F61FAD}" type="datetimeFigureOut">
               <a:rPr kumimoji="1" lang="ja-JP" altLang="en-US" smtClean="0"/>
-              <a:t>2025/7/3</a:t>
+              <a:t>2025/7/4</a:t>
             </a:fld>
             <a:endParaRPr kumimoji="1" lang="ja-JP" altLang="en-US"/>
           </a:p>
@@ -1233,7 +1622,7 @@
           <a:p>
             <a:fld id="{9D4BEFB9-8B91-41DF-B496-E09050F61FAD}" type="datetimeFigureOut">
               <a:rPr kumimoji="1" lang="ja-JP" altLang="en-US" smtClean="0"/>
-              <a:t>2025/7/3</a:t>
+              <a:t>2025/7/4</a:t>
             </a:fld>
             <a:endParaRPr kumimoji="1" lang="ja-JP" altLang="en-US"/>
           </a:p>
@@ -1562,7 +1951,7 @@
           <a:p>
             <a:fld id="{9D4BEFB9-8B91-41DF-B496-E09050F61FAD}" type="datetimeFigureOut">
               <a:rPr kumimoji="1" lang="ja-JP" altLang="en-US" smtClean="0"/>
-              <a:t>2025/7/3</a:t>
+              <a:t>2025/7/4</a:t>
             </a:fld>
             <a:endParaRPr kumimoji="1" lang="ja-JP" altLang="en-US"/>
           </a:p>
@@ -2038,7 +2427,7 @@
           <a:p>
             <a:fld id="{9D4BEFB9-8B91-41DF-B496-E09050F61FAD}" type="datetimeFigureOut">
               <a:rPr kumimoji="1" lang="ja-JP" altLang="en-US" smtClean="0"/>
-              <a:t>2025/7/3</a:t>
+              <a:t>2025/7/4</a:t>
             </a:fld>
             <a:endParaRPr kumimoji="1" lang="ja-JP" altLang="en-US"/>
           </a:p>
@@ -2179,7 +2568,7 @@
           <a:p>
             <a:fld id="{9D4BEFB9-8B91-41DF-B496-E09050F61FAD}" type="datetimeFigureOut">
               <a:rPr kumimoji="1" lang="ja-JP" altLang="en-US" smtClean="0"/>
-              <a:t>2025/7/3</a:t>
+              <a:t>2025/7/4</a:t>
             </a:fld>
             <a:endParaRPr kumimoji="1" lang="ja-JP" altLang="en-US"/>
           </a:p>
@@ -2292,7 +2681,7 @@
           <a:p>
             <a:fld id="{9D4BEFB9-8B91-41DF-B496-E09050F61FAD}" type="datetimeFigureOut">
               <a:rPr kumimoji="1" lang="ja-JP" altLang="en-US" smtClean="0"/>
-              <a:t>2025/7/3</a:t>
+              <a:t>2025/7/4</a:t>
             </a:fld>
             <a:endParaRPr kumimoji="1" lang="ja-JP" altLang="en-US"/>
           </a:p>
@@ -2635,7 +3024,7 @@
           <a:p>
             <a:fld id="{9D4BEFB9-8B91-41DF-B496-E09050F61FAD}" type="datetimeFigureOut">
               <a:rPr kumimoji="1" lang="ja-JP" altLang="en-US" smtClean="0"/>
-              <a:t>2025/7/3</a:t>
+              <a:t>2025/7/4</a:t>
             </a:fld>
             <a:endParaRPr kumimoji="1" lang="ja-JP" altLang="en-US"/>
           </a:p>
@@ -2923,7 +3312,7 @@
           <a:p>
             <a:fld id="{9D4BEFB9-8B91-41DF-B496-E09050F61FAD}" type="datetimeFigureOut">
               <a:rPr kumimoji="1" lang="ja-JP" altLang="en-US" smtClean="0"/>
-              <a:t>2025/7/3</a:t>
+              <a:t>2025/7/4</a:t>
             </a:fld>
             <a:endParaRPr kumimoji="1" lang="ja-JP" altLang="en-US"/>
           </a:p>
@@ -3196,7 +3585,7 @@
           <a:p>
             <a:fld id="{9D4BEFB9-8B91-41DF-B496-E09050F61FAD}" type="datetimeFigureOut">
               <a:rPr kumimoji="1" lang="ja-JP" altLang="en-US" smtClean="0"/>
-              <a:t>2025/7/3</a:t>
+              <a:t>2025/7/4</a:t>
             </a:fld>
             <a:endParaRPr kumimoji="1" lang="ja-JP" altLang="en-US"/>
           </a:p>
@@ -3623,6 +4012,50 @@
       </p:grpSpPr>
       <p:sp>
         <p:nvSpPr>
+          <p:cNvPr id="2" name="テキスト ボックス 1">
+            <a:extLst>
+              <a:ext uri="{FF2B5EF4-FFF2-40B4-BE49-F238E27FC236}">
+                <a16:creationId xmlns:a16="http://schemas.microsoft.com/office/drawing/2014/main" id="{41432D61-A6C3-8166-CCFC-4BD87D9844E7}"/>
+              </a:ext>
+            </a:extLst>
+          </p:cNvPr>
+          <p:cNvSpPr txBox="1"/>
+          <p:nvPr/>
+        </p:nvSpPr>
+        <p:spPr>
+          <a:xfrm>
+            <a:off x="3350394" y="327857"/>
+            <a:ext cx="4981699" cy="6447919"/>
+          </a:xfrm>
+          <a:prstGeom prst="rect">
+            <a:avLst/>
+          </a:prstGeom>
+          <a:noFill/>
+        </p:spPr>
+        <p:txBody>
+          <a:bodyPr wrap="square" rtlCol="0">
+            <a:spAutoFit/>
+          </a:bodyPr>
+          <a:lstStyle/>
+          <a:p>
+            <a:pPr algn="ctr"/>
+            <a:r>
+              <a:rPr kumimoji="1" lang="ja-JP" altLang="en-US" sz="41300" b="1" dirty="0">
+                <a:solidFill>
+                  <a:schemeClr val="tx1">
+                    <a:alpha val="33000"/>
+                  </a:schemeClr>
+                </a:solidFill>
+                <a:latin typeface="HGP創英角ﾎﾟｯﾌﾟ体" panose="040B0A00000000000000" pitchFamily="50" charset="-128"/>
+                <a:ea typeface="HGP創英角ﾎﾟｯﾌﾟ体" panose="040B0A00000000000000" pitchFamily="50" charset="-128"/>
+              </a:rPr>
+              <a:t>？</a:t>
+            </a:r>
+          </a:p>
+        </p:txBody>
+      </p:sp>
+      <p:sp>
+        <p:nvSpPr>
           <p:cNvPr id="4" name="テキスト ボックス 3">
             <a:extLst>
               <a:ext uri="{FF2B5EF4-FFF2-40B4-BE49-F238E27FC236}">
@@ -4219,7 +4652,7 @@
         </p:nvSpPr>
         <p:spPr>
           <a:xfrm>
-            <a:off x="358367" y="327857"/>
+            <a:off x="675330" y="236952"/>
             <a:ext cx="10841340" cy="523220"/>
           </a:xfrm>
           <a:prstGeom prst="rect">
@@ -4236,7 +4669,7 @@
             <a:pPr algn="ctr"/>
             <a:r>
               <a:rPr kumimoji="1" lang="ja-JP" altLang="en-US" sz="2800" b="1" dirty="0"/>
-              <a:t>思いついた数々</a:t>
+              <a:t>思いついた数々の方たちの皆さん</a:t>
             </a:r>
           </a:p>
         </p:txBody>
@@ -4366,8 +4799,8 @@
           <p:nvPr/>
         </p:nvSpPr>
         <p:spPr>
-          <a:xfrm rot="21146457">
-            <a:off x="9363625" y="5534491"/>
+          <a:xfrm rot="957381">
+            <a:off x="9407168" y="287576"/>
             <a:ext cx="2764971" cy="1146629"/>
           </a:xfrm>
           <a:prstGeom prst="flowChartTerminator">
@@ -4467,8 +4900,8 @@
         </p:nvSpPr>
         <p:spPr>
           <a:xfrm>
-            <a:off x="232229" y="391886"/>
-            <a:ext cx="2902857" cy="369332"/>
+            <a:off x="5791200" y="123669"/>
+            <a:ext cx="4064000" cy="769441"/>
           </a:xfrm>
           <a:prstGeom prst="rect">
             <a:avLst/>
@@ -4482,7 +4915,23 @@
           <a:lstStyle/>
           <a:p>
             <a:r>
-              <a:rPr kumimoji="1" lang="ja-JP" altLang="en-US" dirty="0"/>
+              <a:rPr kumimoji="1" lang="ja-JP" altLang="en-US" sz="4400" b="1" dirty="0">
+                <a:ln w="19050">
+                  <a:noFill/>
+                </a:ln>
+                <a:solidFill>
+                  <a:srgbClr val="FFC000"/>
+                </a:solidFill>
+                <a:effectLst>
+                  <a:glow rad="101600">
+                    <a:schemeClr val="bg1">
+                      <a:alpha val="60000"/>
+                    </a:schemeClr>
+                  </a:glow>
+                </a:effectLst>
+                <a:latin typeface="HGP創英角ｺﾞｼｯｸUB" panose="020B0900000000000000" pitchFamily="50" charset="-128"/>
+                <a:ea typeface="HGP創英角ｺﾞｼｯｸUB" panose="020B0900000000000000" pitchFamily="50" charset="-128"/>
+              </a:rPr>
               <a:t>どんな作品？</a:t>
             </a:r>
           </a:p>
@@ -4490,10 +4939,10 @@
       </p:sp>
       <p:sp>
         <p:nvSpPr>
-          <p:cNvPr id="5" name="テキスト ボックス 4">
-            <a:extLst>
-              <a:ext uri="{FF2B5EF4-FFF2-40B4-BE49-F238E27FC236}">
-                <a16:creationId xmlns:a16="http://schemas.microsoft.com/office/drawing/2014/main" id="{4D3F43BC-4D78-42BB-0C11-98A224DD6F14}"/>
+          <p:cNvPr id="6" name="テキスト ボックス 5">
+            <a:extLst>
+              <a:ext uri="{FF2B5EF4-FFF2-40B4-BE49-F238E27FC236}">
+                <a16:creationId xmlns:a16="http://schemas.microsoft.com/office/drawing/2014/main" id="{CCC9BD8C-447C-2D25-B31D-C15B633A486B}"/>
               </a:ext>
             </a:extLst>
           </p:cNvPr>
@@ -4502,8 +4951,8 @@
         </p:nvSpPr>
         <p:spPr>
           <a:xfrm>
-            <a:off x="7823200" y="2653267"/>
-            <a:ext cx="2902857" cy="369332"/>
+            <a:off x="341086" y="966754"/>
+            <a:ext cx="3940628" cy="646331"/>
           </a:xfrm>
           <a:prstGeom prst="rect">
             <a:avLst/>
@@ -4516,19 +4965,85 @@
           </a:bodyPr>
           <a:lstStyle/>
           <a:p>
-            <a:r>
-              <a:rPr kumimoji="1" lang="ja-JP" altLang="en-US" dirty="0"/>
-              <a:t>ジャンル</a:t>
-            </a:r>
-          </a:p>
-        </p:txBody>
-      </p:sp>
-      <p:sp>
-        <p:nvSpPr>
-          <p:cNvPr id="6" name="テキスト ボックス 5">
-            <a:extLst>
-              <a:ext uri="{FF2B5EF4-FFF2-40B4-BE49-F238E27FC236}">
-                <a16:creationId xmlns:a16="http://schemas.microsoft.com/office/drawing/2014/main" id="{CCC9BD8C-447C-2D25-B31D-C15B633A486B}"/>
+            <a:pPr algn="ctr"/>
+            <a:r>
+              <a:rPr lang="ja-JP" altLang="en-US" sz="3600" b="1" dirty="0">
+                <a:solidFill>
+                  <a:schemeClr val="tx2">
+                    <a:lumMod val="50000"/>
+                    <a:lumOff val="50000"/>
+                  </a:schemeClr>
+                </a:solidFill>
+                <a:effectLst>
+                  <a:glow rad="101600">
+                    <a:schemeClr val="bg1">
+                      <a:alpha val="60000"/>
+                    </a:schemeClr>
+                  </a:glow>
+                </a:effectLst>
+              </a:rPr>
+              <a:t>＜</a:t>
+            </a:r>
+            <a:r>
+              <a:rPr lang="en-US" altLang="ja-JP" sz="3600" b="1" dirty="0">
+                <a:solidFill>
+                  <a:schemeClr val="tx2">
+                    <a:lumMod val="50000"/>
+                    <a:lumOff val="50000"/>
+                  </a:schemeClr>
+                </a:solidFill>
+                <a:effectLst>
+                  <a:glow rad="101600">
+                    <a:schemeClr val="bg1">
+                      <a:alpha val="60000"/>
+                    </a:schemeClr>
+                  </a:glow>
+                </a:effectLst>
+              </a:rPr>
+              <a:t> </a:t>
+            </a:r>
+            <a:r>
+              <a:rPr lang="ja-JP" altLang="en-US" sz="3600" b="1" dirty="0">
+                <a:solidFill>
+                  <a:schemeClr val="tx2">
+                    <a:lumMod val="50000"/>
+                    <a:lumOff val="50000"/>
+                  </a:schemeClr>
+                </a:solidFill>
+                <a:effectLst>
+                  <a:glow rad="101600">
+                    <a:schemeClr val="bg1">
+                      <a:alpha val="60000"/>
+                    </a:schemeClr>
+                  </a:glow>
+                </a:effectLst>
+              </a:rPr>
+              <a:t>放送時期 ＞</a:t>
+            </a:r>
+            <a:endParaRPr kumimoji="1" lang="ja-JP" altLang="en-US" sz="3600" b="1" dirty="0">
+              <a:solidFill>
+                <a:schemeClr val="tx2">
+                  <a:lumMod val="50000"/>
+                  <a:lumOff val="50000"/>
+                </a:schemeClr>
+              </a:solidFill>
+              <a:effectLst>
+                <a:glow rad="101600">
+                  <a:schemeClr val="bg1">
+                    <a:alpha val="60000"/>
+                  </a:schemeClr>
+                </a:glow>
+              </a:effectLst>
+            </a:endParaRPr>
+          </a:p>
+        </p:txBody>
+      </p:sp>
+      <p:sp>
+        <p:nvSpPr>
+          <p:cNvPr id="7" name="テキスト ボックス 6">
+            <a:extLst>
+              <a:ext uri="{FF2B5EF4-FFF2-40B4-BE49-F238E27FC236}">
+                <a16:creationId xmlns:a16="http://schemas.microsoft.com/office/drawing/2014/main" id="{A539E922-21BC-87F4-BE7A-5CA8F14AEC16}"/>
               </a:ext>
             </a:extLst>
           </p:cNvPr>
@@ -4537,8 +5052,8 @@
         </p:nvSpPr>
         <p:spPr>
           <a:xfrm>
-            <a:off x="682171" y="2595992"/>
-            <a:ext cx="2902857" cy="369332"/>
+            <a:off x="-326571" y="1613085"/>
+            <a:ext cx="5667828" cy="461665"/>
           </a:xfrm>
           <a:prstGeom prst="rect">
             <a:avLst/>
@@ -4551,14 +5066,1073 @@
           </a:bodyPr>
           <a:lstStyle/>
           <a:p>
-            <a:r>
-              <a:rPr lang="ja-JP" altLang="en-US" dirty="0"/>
-              <a:t>時期など概要</a:t>
-            </a:r>
-            <a:endParaRPr kumimoji="1" lang="ja-JP" altLang="en-US" dirty="0"/>
-          </a:p>
-        </p:txBody>
-      </p:sp>
+            <a:pPr algn="ctr"/>
+            <a:r>
+              <a:rPr lang="en-US" altLang="ja-JP" sz="2400" b="1" dirty="0">
+                <a:effectLst>
+                  <a:glow rad="101600">
+                    <a:schemeClr val="bg1">
+                      <a:alpha val="60000"/>
+                    </a:schemeClr>
+                  </a:glow>
+                </a:effectLst>
+              </a:rPr>
+              <a:t>2009</a:t>
+            </a:r>
+            <a:r>
+              <a:rPr lang="ja-JP" altLang="en-US" sz="2400" b="1" dirty="0">
+                <a:effectLst>
+                  <a:glow rad="101600">
+                    <a:schemeClr val="bg1">
+                      <a:alpha val="60000"/>
+                    </a:schemeClr>
+                  </a:glow>
+                </a:effectLst>
+              </a:rPr>
+              <a:t>年</a:t>
+            </a:r>
+            <a:r>
+              <a:rPr lang="en-US" altLang="ja-JP" sz="2400" b="1" dirty="0">
+                <a:effectLst>
+                  <a:glow rad="101600">
+                    <a:schemeClr val="bg1">
+                      <a:alpha val="60000"/>
+                    </a:schemeClr>
+                  </a:glow>
+                </a:effectLst>
+              </a:rPr>
+              <a:t>10</a:t>
+            </a:r>
+            <a:r>
+              <a:rPr lang="ja-JP" altLang="en-US" sz="2400" b="1" dirty="0">
+                <a:effectLst>
+                  <a:glow rad="101600">
+                    <a:schemeClr val="bg1">
+                      <a:alpha val="60000"/>
+                    </a:schemeClr>
+                  </a:glow>
+                </a:effectLst>
+              </a:rPr>
+              <a:t>月</a:t>
+            </a:r>
+            <a:r>
+              <a:rPr lang="en-US" altLang="ja-JP" sz="2400" b="1" dirty="0">
+                <a:effectLst>
+                  <a:glow rad="101600">
+                    <a:schemeClr val="bg1">
+                      <a:alpha val="60000"/>
+                    </a:schemeClr>
+                  </a:glow>
+                </a:effectLst>
+              </a:rPr>
+              <a:t>13</a:t>
+            </a:r>
+            <a:r>
+              <a:rPr lang="ja-JP" altLang="en-US" sz="2400" b="1" dirty="0">
+                <a:effectLst>
+                  <a:glow rad="101600">
+                    <a:schemeClr val="bg1">
+                      <a:alpha val="60000"/>
+                    </a:schemeClr>
+                  </a:glow>
+                </a:effectLst>
+              </a:rPr>
+              <a:t>日 </a:t>
+            </a:r>
+            <a:r>
+              <a:rPr lang="en-US" altLang="ja-JP" sz="2400" b="1" dirty="0">
+                <a:effectLst>
+                  <a:glow rad="101600">
+                    <a:schemeClr val="bg1">
+                      <a:alpha val="60000"/>
+                    </a:schemeClr>
+                  </a:glow>
+                </a:effectLst>
+              </a:rPr>
+              <a:t>- 2010</a:t>
+            </a:r>
+            <a:r>
+              <a:rPr lang="ja-JP" altLang="en-US" sz="2400" b="1" dirty="0">
+                <a:effectLst>
+                  <a:glow rad="101600">
+                    <a:schemeClr val="bg1">
+                      <a:alpha val="60000"/>
+                    </a:schemeClr>
+                  </a:glow>
+                </a:effectLst>
+              </a:rPr>
+              <a:t>年</a:t>
+            </a:r>
+            <a:r>
+              <a:rPr lang="en-US" altLang="ja-JP" sz="2400" b="1" dirty="0">
+                <a:effectLst>
+                  <a:glow rad="101600">
+                    <a:schemeClr val="bg1">
+                      <a:alpha val="60000"/>
+                    </a:schemeClr>
+                  </a:glow>
+                </a:effectLst>
+              </a:rPr>
+              <a:t>6</a:t>
+            </a:r>
+            <a:r>
+              <a:rPr lang="ja-JP" altLang="en-US" sz="2400" b="1" dirty="0">
+                <a:effectLst>
+                  <a:glow rad="101600">
+                    <a:schemeClr val="bg1">
+                      <a:alpha val="60000"/>
+                    </a:schemeClr>
+                  </a:glow>
+                </a:effectLst>
+              </a:rPr>
+              <a:t>月</a:t>
+            </a:r>
+            <a:r>
+              <a:rPr lang="en-US" altLang="ja-JP" sz="2400" b="1" dirty="0">
+                <a:effectLst>
+                  <a:glow rad="101600">
+                    <a:schemeClr val="bg1">
+                      <a:alpha val="60000"/>
+                    </a:schemeClr>
+                  </a:glow>
+                </a:effectLst>
+              </a:rPr>
+              <a:t>8</a:t>
+            </a:r>
+            <a:r>
+              <a:rPr lang="ja-JP" altLang="en-US" sz="2400" b="1" dirty="0">
+                <a:effectLst>
+                  <a:glow rad="101600">
+                    <a:schemeClr val="bg1">
+                      <a:alpha val="60000"/>
+                    </a:schemeClr>
+                  </a:glow>
+                </a:effectLst>
+              </a:rPr>
+              <a:t>日</a:t>
+            </a:r>
+            <a:endParaRPr kumimoji="1" lang="ja-JP" altLang="en-US" sz="2400" b="1" dirty="0">
+              <a:effectLst>
+                <a:glow rad="101600">
+                  <a:schemeClr val="bg1">
+                    <a:alpha val="60000"/>
+                  </a:schemeClr>
+                </a:glow>
+              </a:effectLst>
+            </a:endParaRPr>
+          </a:p>
+        </p:txBody>
+      </p:sp>
+      <p:cxnSp>
+        <p:nvCxnSpPr>
+          <p:cNvPr id="10" name="直線コネクタ 9">
+            <a:extLst>
+              <a:ext uri="{FF2B5EF4-FFF2-40B4-BE49-F238E27FC236}">
+                <a16:creationId xmlns:a16="http://schemas.microsoft.com/office/drawing/2014/main" id="{21DC02E9-2401-5E1B-00E8-F91F7C6685F7}"/>
+              </a:ext>
+            </a:extLst>
+          </p:cNvPr>
+          <p:cNvCxnSpPr>
+            <a:cxnSpLocks/>
+          </p:cNvCxnSpPr>
+          <p:nvPr/>
+        </p:nvCxnSpPr>
+        <p:spPr>
+          <a:xfrm>
+            <a:off x="0" y="613748"/>
+            <a:ext cx="5667829" cy="0"/>
+          </a:xfrm>
+          <a:prstGeom prst="line">
+            <a:avLst/>
+          </a:prstGeom>
+        </p:spPr>
+        <p:style>
+          <a:lnRef idx="2">
+            <a:schemeClr val="dk1"/>
+          </a:lnRef>
+          <a:fillRef idx="0">
+            <a:schemeClr val="dk1"/>
+          </a:fillRef>
+          <a:effectRef idx="1">
+            <a:schemeClr val="dk1"/>
+          </a:effectRef>
+          <a:fontRef idx="minor">
+            <a:schemeClr val="tx1"/>
+          </a:fontRef>
+        </p:style>
+      </p:cxnSp>
+      <p:sp>
+        <p:nvSpPr>
+          <p:cNvPr id="13" name="テキスト ボックス 12">
+            <a:extLst>
+              <a:ext uri="{FF2B5EF4-FFF2-40B4-BE49-F238E27FC236}">
+                <a16:creationId xmlns:a16="http://schemas.microsoft.com/office/drawing/2014/main" id="{DB092623-04F8-6ED0-C944-C6E400302598}"/>
+              </a:ext>
+            </a:extLst>
+          </p:cNvPr>
+          <p:cNvSpPr txBox="1"/>
+          <p:nvPr/>
+        </p:nvSpPr>
+        <p:spPr>
+          <a:xfrm>
+            <a:off x="5939974" y="966754"/>
+            <a:ext cx="3940628" cy="646331"/>
+          </a:xfrm>
+          <a:prstGeom prst="rect">
+            <a:avLst/>
+          </a:prstGeom>
+          <a:noFill/>
+        </p:spPr>
+        <p:txBody>
+          <a:bodyPr wrap="square" rtlCol="0">
+            <a:spAutoFit/>
+          </a:bodyPr>
+          <a:lstStyle/>
+          <a:p>
+            <a:pPr algn="ctr"/>
+            <a:r>
+              <a:rPr lang="ja-JP" altLang="en-US" sz="3600" b="1" dirty="0">
+                <a:solidFill>
+                  <a:schemeClr val="tx2">
+                    <a:lumMod val="50000"/>
+                    <a:lumOff val="50000"/>
+                  </a:schemeClr>
+                </a:solidFill>
+                <a:effectLst>
+                  <a:glow rad="101600">
+                    <a:schemeClr val="bg1">
+                      <a:alpha val="60000"/>
+                    </a:schemeClr>
+                  </a:glow>
+                </a:effectLst>
+              </a:rPr>
+              <a:t>＜</a:t>
+            </a:r>
+            <a:r>
+              <a:rPr lang="en-US" altLang="ja-JP" sz="3600" b="1" dirty="0">
+                <a:solidFill>
+                  <a:schemeClr val="tx2">
+                    <a:lumMod val="50000"/>
+                    <a:lumOff val="50000"/>
+                  </a:schemeClr>
+                </a:solidFill>
+                <a:effectLst>
+                  <a:glow rad="101600">
+                    <a:schemeClr val="bg1">
+                      <a:alpha val="60000"/>
+                    </a:schemeClr>
+                  </a:glow>
+                </a:effectLst>
+              </a:rPr>
+              <a:t> </a:t>
+            </a:r>
+            <a:r>
+              <a:rPr lang="ja-JP" altLang="en-US" sz="3600" b="1" dirty="0">
+                <a:solidFill>
+                  <a:schemeClr val="tx2">
+                    <a:lumMod val="50000"/>
+                    <a:lumOff val="50000"/>
+                  </a:schemeClr>
+                </a:solidFill>
+                <a:effectLst>
+                  <a:glow rad="101600">
+                    <a:schemeClr val="bg1">
+                      <a:alpha val="60000"/>
+                    </a:schemeClr>
+                  </a:glow>
+                </a:effectLst>
+              </a:rPr>
+              <a:t>ジャンル ＞</a:t>
+            </a:r>
+            <a:endParaRPr kumimoji="1" lang="ja-JP" altLang="en-US" sz="3600" b="1" dirty="0">
+              <a:solidFill>
+                <a:schemeClr val="tx2">
+                  <a:lumMod val="50000"/>
+                  <a:lumOff val="50000"/>
+                </a:schemeClr>
+              </a:solidFill>
+              <a:effectLst>
+                <a:glow rad="101600">
+                  <a:schemeClr val="bg1">
+                    <a:alpha val="60000"/>
+                  </a:schemeClr>
+                </a:glow>
+              </a:effectLst>
+            </a:endParaRPr>
+          </a:p>
+        </p:txBody>
+      </p:sp>
+      <p:sp>
+        <p:nvSpPr>
+          <p:cNvPr id="15" name="テキスト ボックス 14">
+            <a:extLst>
+              <a:ext uri="{FF2B5EF4-FFF2-40B4-BE49-F238E27FC236}">
+                <a16:creationId xmlns:a16="http://schemas.microsoft.com/office/drawing/2014/main" id="{161BAB9A-C981-DB51-77BD-15D4CC77A203}"/>
+              </a:ext>
+            </a:extLst>
+          </p:cNvPr>
+          <p:cNvSpPr txBox="1"/>
+          <p:nvPr/>
+        </p:nvSpPr>
+        <p:spPr>
+          <a:xfrm>
+            <a:off x="5244501" y="1561048"/>
+            <a:ext cx="5667828" cy="461665"/>
+          </a:xfrm>
+          <a:prstGeom prst="rect">
+            <a:avLst/>
+          </a:prstGeom>
+          <a:noFill/>
+        </p:spPr>
+        <p:txBody>
+          <a:bodyPr wrap="square" rtlCol="0">
+            <a:spAutoFit/>
+          </a:bodyPr>
+          <a:lstStyle/>
+          <a:p>
+            <a:pPr algn="ctr"/>
+            <a:r>
+              <a:rPr lang="ja-JP" altLang="en-US" sz="2400" b="1" dirty="0">
+                <a:effectLst>
+                  <a:glow rad="101600">
+                    <a:schemeClr val="bg1">
+                      <a:alpha val="60000"/>
+                    </a:schemeClr>
+                  </a:glow>
+                </a:effectLst>
+              </a:rPr>
+              <a:t>怪談</a:t>
+            </a:r>
+            <a:r>
+              <a:rPr lang="en-US" altLang="ja-JP" sz="2400" b="1" dirty="0">
+                <a:effectLst>
+                  <a:glow rad="101600">
+                    <a:schemeClr val="bg1">
+                      <a:alpha val="60000"/>
+                    </a:schemeClr>
+                  </a:glow>
+                </a:effectLst>
+              </a:rPr>
+              <a:t>, </a:t>
+            </a:r>
+            <a:r>
+              <a:rPr lang="ja-JP" altLang="en-US" sz="2400" b="1" dirty="0">
+                <a:effectLst>
+                  <a:glow rad="101600">
+                    <a:schemeClr val="bg1">
+                      <a:alpha val="60000"/>
+                    </a:schemeClr>
+                  </a:glow>
+                </a:effectLst>
+              </a:rPr>
+              <a:t>ホラー</a:t>
+            </a:r>
+            <a:endParaRPr kumimoji="1" lang="ja-JP" altLang="en-US" sz="2400" b="1" dirty="0">
+              <a:effectLst>
+                <a:glow rad="101600">
+                  <a:schemeClr val="bg1">
+                    <a:alpha val="60000"/>
+                  </a:schemeClr>
+                </a:glow>
+              </a:effectLst>
+            </a:endParaRPr>
+          </a:p>
+        </p:txBody>
+      </p:sp>
+      <p:pic>
+        <p:nvPicPr>
+          <p:cNvPr id="2050" name="Picture 2">
+            <a:extLst>
+              <a:ext uri="{FF2B5EF4-FFF2-40B4-BE49-F238E27FC236}">
+                <a16:creationId xmlns:a16="http://schemas.microsoft.com/office/drawing/2014/main" id="{D9B78CA4-007E-E334-7B49-8F61F0F442F1}"/>
+              </a:ext>
+            </a:extLst>
+          </p:cNvPr>
+          <p:cNvPicPr>
+            <a:picLocks noChangeAspect="1" noChangeArrowheads="1"/>
+          </p:cNvPicPr>
+          <p:nvPr/>
+        </p:nvPicPr>
+        <p:blipFill>
+          <a:blip r:embed="rId3">
+            <a:extLst>
+              <a:ext uri="{28A0092B-C50C-407E-A947-70E740481C1C}">
+                <a14:useLocalDpi xmlns:a14="http://schemas.microsoft.com/office/drawing/2010/main" val="0"/>
+              </a:ext>
+            </a:extLst>
+          </a:blip>
+          <a:srcRect/>
+          <a:stretch>
+            <a:fillRect/>
+          </a:stretch>
+        </p:blipFill>
+        <p:spPr bwMode="auto">
+          <a:xfrm>
+            <a:off x="77974" y="2163461"/>
+            <a:ext cx="2182333" cy="1636749"/>
+          </a:xfrm>
+          <a:prstGeom prst="rect">
+            <a:avLst/>
+          </a:prstGeom>
+          <a:ln>
+            <a:noFill/>
+          </a:ln>
+          <a:effectLst>
+            <a:outerShdw blurRad="292100" dist="139700" dir="2700000" algn="tl" rotWithShape="0">
+              <a:srgbClr val="333333">
+                <a:alpha val="65000"/>
+              </a:srgbClr>
+            </a:outerShdw>
+          </a:effectLst>
+          <a:extLst>
+            <a:ext uri="{909E8E84-426E-40DD-AFC4-6F175D3DCCD1}">
+              <a14:hiddenFill xmlns:a14="http://schemas.microsoft.com/office/drawing/2010/main">
+                <a:solidFill>
+                  <a:srgbClr val="FFFFFF"/>
+                </a:solidFill>
+              </a14:hiddenFill>
+            </a:ext>
+          </a:extLst>
+        </p:spPr>
+      </p:pic>
+      <p:pic>
+        <p:nvPicPr>
+          <p:cNvPr id="2052" name="Picture 4">
+            <a:extLst>
+              <a:ext uri="{FF2B5EF4-FFF2-40B4-BE49-F238E27FC236}">
+                <a16:creationId xmlns:a16="http://schemas.microsoft.com/office/drawing/2014/main" id="{8A365B03-9BFA-445E-13C2-1460F1882EBA}"/>
+              </a:ext>
+            </a:extLst>
+          </p:cNvPr>
+          <p:cNvPicPr>
+            <a:picLocks noChangeAspect="1" noChangeArrowheads="1"/>
+          </p:cNvPicPr>
+          <p:nvPr/>
+        </p:nvPicPr>
+        <p:blipFill>
+          <a:blip r:embed="rId4">
+            <a:extLst>
+              <a:ext uri="{28A0092B-C50C-407E-A947-70E740481C1C}">
+                <a14:useLocalDpi xmlns:a14="http://schemas.microsoft.com/office/drawing/2010/main" val="0"/>
+              </a:ext>
+            </a:extLst>
+          </a:blip>
+          <a:srcRect/>
+          <a:stretch>
+            <a:fillRect/>
+          </a:stretch>
+        </p:blipFill>
+        <p:spPr bwMode="auto">
+          <a:xfrm>
+            <a:off x="2162587" y="2029373"/>
+            <a:ext cx="2182333" cy="1636749"/>
+          </a:xfrm>
+          <a:prstGeom prst="rect">
+            <a:avLst/>
+          </a:prstGeom>
+          <a:noFill/>
+          <a:extLst>
+            <a:ext uri="{909E8E84-426E-40DD-AFC4-6F175D3DCCD1}">
+              <a14:hiddenFill xmlns:a14="http://schemas.microsoft.com/office/drawing/2010/main">
+                <a:solidFill>
+                  <a:srgbClr val="FFFFFF"/>
+                </a:solidFill>
+              </a14:hiddenFill>
+            </a:ext>
+          </a:extLst>
+        </p:spPr>
+      </p:pic>
+      <p:pic>
+        <p:nvPicPr>
+          <p:cNvPr id="2054" name="Picture 6">
+            <a:extLst>
+              <a:ext uri="{FF2B5EF4-FFF2-40B4-BE49-F238E27FC236}">
+                <a16:creationId xmlns:a16="http://schemas.microsoft.com/office/drawing/2014/main" id="{5085C6BB-4719-9AFD-0EDC-87759D775977}"/>
+              </a:ext>
+            </a:extLst>
+          </p:cNvPr>
+          <p:cNvPicPr>
+            <a:picLocks noChangeAspect="1" noChangeArrowheads="1"/>
+          </p:cNvPicPr>
+          <p:nvPr/>
+        </p:nvPicPr>
+        <p:blipFill>
+          <a:blip r:embed="rId5">
+            <a:extLst>
+              <a:ext uri="{28A0092B-C50C-407E-A947-70E740481C1C}">
+                <a14:useLocalDpi xmlns:a14="http://schemas.microsoft.com/office/drawing/2010/main" val="0"/>
+              </a:ext>
+            </a:extLst>
+          </a:blip>
+          <a:srcRect/>
+          <a:stretch>
+            <a:fillRect/>
+          </a:stretch>
+        </p:blipFill>
+        <p:spPr bwMode="auto">
+          <a:xfrm>
+            <a:off x="2522144" y="3194552"/>
+            <a:ext cx="2011331" cy="1508498"/>
+          </a:xfrm>
+          <a:prstGeom prst="rect">
+            <a:avLst/>
+          </a:prstGeom>
+          <a:ln>
+            <a:noFill/>
+          </a:ln>
+          <a:effectLst>
+            <a:outerShdw blurRad="292100" dist="139700" dir="2700000" algn="tl" rotWithShape="0">
+              <a:srgbClr val="333333">
+                <a:alpha val="65000"/>
+              </a:srgbClr>
+            </a:outerShdw>
+          </a:effectLst>
+          <a:extLst>
+            <a:ext uri="{909E8E84-426E-40DD-AFC4-6F175D3DCCD1}">
+              <a14:hiddenFill xmlns:a14="http://schemas.microsoft.com/office/drawing/2010/main">
+                <a:solidFill>
+                  <a:srgbClr val="FFFFFF"/>
+                </a:solidFill>
+              </a14:hiddenFill>
+            </a:ext>
+          </a:extLst>
+        </p:spPr>
+      </p:pic>
+      <p:pic>
+        <p:nvPicPr>
+          <p:cNvPr id="2056" name="Picture 8">
+            <a:extLst>
+              <a:ext uri="{FF2B5EF4-FFF2-40B4-BE49-F238E27FC236}">
+                <a16:creationId xmlns:a16="http://schemas.microsoft.com/office/drawing/2014/main" id="{A368DFE4-DEB9-2821-F6D5-507D1CB27827}"/>
+              </a:ext>
+            </a:extLst>
+          </p:cNvPr>
+          <p:cNvPicPr>
+            <a:picLocks noChangeAspect="1" noChangeArrowheads="1"/>
+          </p:cNvPicPr>
+          <p:nvPr/>
+        </p:nvPicPr>
+        <p:blipFill>
+          <a:blip r:embed="rId6">
+            <a:extLst>
+              <a:ext uri="{28A0092B-C50C-407E-A947-70E740481C1C}">
+                <a14:useLocalDpi xmlns:a14="http://schemas.microsoft.com/office/drawing/2010/main" val="0"/>
+              </a:ext>
+            </a:extLst>
+          </a:blip>
+          <a:srcRect/>
+          <a:stretch>
+            <a:fillRect/>
+          </a:stretch>
+        </p:blipFill>
+        <p:spPr bwMode="auto">
+          <a:xfrm>
+            <a:off x="560013" y="3398124"/>
+            <a:ext cx="1960647" cy="1470485"/>
+          </a:xfrm>
+          <a:prstGeom prst="rect">
+            <a:avLst/>
+          </a:prstGeom>
+          <a:ln>
+            <a:noFill/>
+          </a:ln>
+          <a:effectLst>
+            <a:outerShdw blurRad="292100" dist="139700" dir="2700000" algn="tl" rotWithShape="0">
+              <a:srgbClr val="333333">
+                <a:alpha val="65000"/>
+              </a:srgbClr>
+            </a:outerShdw>
+          </a:effectLst>
+          <a:extLst>
+            <a:ext uri="{909E8E84-426E-40DD-AFC4-6F175D3DCCD1}">
+              <a14:hiddenFill xmlns:a14="http://schemas.microsoft.com/office/drawing/2010/main">
+                <a:solidFill>
+                  <a:srgbClr val="FFFFFF"/>
+                </a:solidFill>
+              </a14:hiddenFill>
+            </a:ext>
+          </a:extLst>
+        </p:spPr>
+      </p:pic>
+      <p:pic>
+        <p:nvPicPr>
+          <p:cNvPr id="1026" name="Picture 2">
+            <a:extLst>
+              <a:ext uri="{FF2B5EF4-FFF2-40B4-BE49-F238E27FC236}">
+                <a16:creationId xmlns:a16="http://schemas.microsoft.com/office/drawing/2014/main" id="{99337E26-92CA-8097-DDC4-8EDD0187193B}"/>
+              </a:ext>
+            </a:extLst>
+          </p:cNvPr>
+          <p:cNvPicPr>
+            <a:picLocks noChangeAspect="1" noChangeArrowheads="1"/>
+          </p:cNvPicPr>
+          <p:nvPr/>
+        </p:nvPicPr>
+        <p:blipFill>
+          <a:blip r:embed="rId7">
+            <a:extLst>
+              <a:ext uri="{28A0092B-C50C-407E-A947-70E740481C1C}">
+                <a14:useLocalDpi xmlns:a14="http://schemas.microsoft.com/office/drawing/2010/main" val="0"/>
+              </a:ext>
+            </a:extLst>
+          </a:blip>
+          <a:srcRect/>
+          <a:stretch>
+            <a:fillRect/>
+          </a:stretch>
+        </p:blipFill>
+        <p:spPr bwMode="auto">
+          <a:xfrm>
+            <a:off x="8078415" y="3482824"/>
+            <a:ext cx="4128047" cy="3096035"/>
+          </a:xfrm>
+          <a:prstGeom prst="rect">
+            <a:avLst/>
+          </a:prstGeom>
+          <a:ln>
+            <a:noFill/>
+          </a:ln>
+          <a:effectLst>
+            <a:softEdge rad="112500"/>
+          </a:effectLst>
+          <a:extLst>
+            <a:ext uri="{909E8E84-426E-40DD-AFC4-6F175D3DCCD1}">
+              <a14:hiddenFill xmlns:a14="http://schemas.microsoft.com/office/drawing/2010/main">
+                <a:solidFill>
+                  <a:srgbClr val="FFFFFF"/>
+                </a:solidFill>
+              </a14:hiddenFill>
+            </a:ext>
+          </a:extLst>
+        </p:spPr>
+      </p:pic>
+      <p:pic>
+        <p:nvPicPr>
+          <p:cNvPr id="2058" name="Picture 10" descr="裕大 | 年末年始にYouTubeで#怪談レストラン  を見てるがやはりトラウマ回の一つ「とうげの一けん家」の最後のシーン。最近、ワイのインスタアイコンである。 | Instagram">
+            <a:extLst>
+              <a:ext uri="{FF2B5EF4-FFF2-40B4-BE49-F238E27FC236}">
+                <a16:creationId xmlns:a16="http://schemas.microsoft.com/office/drawing/2014/main" id="{F3AAB4E6-9708-C79A-F299-A0F7F28335FF}"/>
+              </a:ext>
+            </a:extLst>
+          </p:cNvPr>
+          <p:cNvPicPr>
+            <a:picLocks noChangeAspect="1" noChangeArrowheads="1"/>
+          </p:cNvPicPr>
+          <p:nvPr/>
+        </p:nvPicPr>
+        <p:blipFill>
+          <a:blip r:embed="rId8">
+            <a:extLst>
+              <a:ext uri="{28A0092B-C50C-407E-A947-70E740481C1C}">
+                <a14:useLocalDpi xmlns:a14="http://schemas.microsoft.com/office/drawing/2010/main" val="0"/>
+              </a:ext>
+            </a:extLst>
+          </a:blip>
+          <a:srcRect/>
+          <a:stretch>
+            <a:fillRect/>
+          </a:stretch>
+        </p:blipFill>
+        <p:spPr bwMode="auto">
+          <a:xfrm>
+            <a:off x="4795312" y="2074750"/>
+            <a:ext cx="4876810" cy="2791440"/>
+          </a:xfrm>
+          <a:prstGeom prst="rect">
+            <a:avLst/>
+          </a:prstGeom>
+          <a:ln>
+            <a:noFill/>
+          </a:ln>
+          <a:effectLst>
+            <a:softEdge rad="112500"/>
+          </a:effectLst>
+          <a:extLst>
+            <a:ext uri="{909E8E84-426E-40DD-AFC4-6F175D3DCCD1}">
+              <a14:hiddenFill xmlns:a14="http://schemas.microsoft.com/office/drawing/2010/main">
+                <a:solidFill>
+                  <a:srgbClr val="FFFFFF"/>
+                </a:solidFill>
+              </a14:hiddenFill>
+            </a:ext>
+          </a:extLst>
+        </p:spPr>
+      </p:pic>
+      <p:sp>
+        <p:nvSpPr>
+          <p:cNvPr id="17" name="テキスト ボックス 16">
+            <a:extLst>
+              <a:ext uri="{FF2B5EF4-FFF2-40B4-BE49-F238E27FC236}">
+                <a16:creationId xmlns:a16="http://schemas.microsoft.com/office/drawing/2014/main" id="{C11A09F0-3D91-0E4C-6F9C-54FBD6F7F4E5}"/>
+              </a:ext>
+            </a:extLst>
+          </p:cNvPr>
+          <p:cNvSpPr txBox="1"/>
+          <p:nvPr/>
+        </p:nvSpPr>
+        <p:spPr>
+          <a:xfrm>
+            <a:off x="4212774" y="3264422"/>
+            <a:ext cx="5667828" cy="646331"/>
+          </a:xfrm>
+          <a:prstGeom prst="rect">
+            <a:avLst/>
+          </a:prstGeom>
+          <a:noFill/>
+        </p:spPr>
+        <p:txBody>
+          <a:bodyPr wrap="square" rtlCol="0">
+            <a:spAutoFit/>
+          </a:bodyPr>
+          <a:lstStyle/>
+          <a:p>
+            <a:pPr algn="ctr"/>
+            <a:r>
+              <a:rPr kumimoji="1" lang="ja-JP" altLang="en-US" sz="3600" b="1" dirty="0">
+                <a:solidFill>
+                  <a:srgbClr val="FF0000"/>
+                </a:solidFill>
+                <a:effectLst>
+                  <a:glow rad="228600">
+                    <a:schemeClr val="accent2">
+                      <a:satMod val="175000"/>
+                      <a:alpha val="40000"/>
+                    </a:schemeClr>
+                  </a:glow>
+                </a:effectLst>
+              </a:rPr>
+              <a:t>トラウマものや</a:t>
+            </a:r>
+          </a:p>
+        </p:txBody>
+      </p:sp>
+      <p:sp>
+        <p:nvSpPr>
+          <p:cNvPr id="18" name="テキスト ボックス 17">
+            <a:extLst>
+              <a:ext uri="{FF2B5EF4-FFF2-40B4-BE49-F238E27FC236}">
+                <a16:creationId xmlns:a16="http://schemas.microsoft.com/office/drawing/2014/main" id="{44EFB540-4CE2-1AED-34E8-F7CF75CCEEB7}"/>
+              </a:ext>
+            </a:extLst>
+          </p:cNvPr>
+          <p:cNvSpPr txBox="1"/>
+          <p:nvPr/>
+        </p:nvSpPr>
+        <p:spPr>
+          <a:xfrm>
+            <a:off x="7401241" y="5223781"/>
+            <a:ext cx="5667828" cy="584775"/>
+          </a:xfrm>
+          <a:prstGeom prst="rect">
+            <a:avLst/>
+          </a:prstGeom>
+          <a:noFill/>
+        </p:spPr>
+        <p:txBody>
+          <a:bodyPr wrap="square" rtlCol="0">
+            <a:spAutoFit/>
+          </a:bodyPr>
+          <a:lstStyle/>
+          <a:p>
+            <a:pPr algn="ctr"/>
+            <a:r>
+              <a:rPr lang="ja-JP" altLang="en-US" sz="3200" b="1" dirty="0">
+                <a:solidFill>
+                  <a:schemeClr val="accent1">
+                    <a:lumMod val="40000"/>
+                    <a:lumOff val="60000"/>
+                  </a:schemeClr>
+                </a:solidFill>
+                <a:effectLst>
+                  <a:glow rad="228600">
+                    <a:schemeClr val="accent3">
+                      <a:satMod val="175000"/>
+                      <a:alpha val="40000"/>
+                    </a:schemeClr>
+                  </a:glow>
+                </a:effectLst>
+              </a:rPr>
+              <a:t>感動ものまで</a:t>
+            </a:r>
+            <a:endParaRPr kumimoji="1" lang="ja-JP" altLang="en-US" sz="3200" b="1" dirty="0">
+              <a:solidFill>
+                <a:schemeClr val="accent1">
+                  <a:lumMod val="40000"/>
+                  <a:lumOff val="60000"/>
+                </a:schemeClr>
+              </a:solidFill>
+              <a:effectLst>
+                <a:glow rad="228600">
+                  <a:schemeClr val="accent3">
+                    <a:satMod val="175000"/>
+                    <a:alpha val="40000"/>
+                  </a:schemeClr>
+                </a:glow>
+              </a:effectLst>
+            </a:endParaRPr>
+          </a:p>
+        </p:txBody>
+      </p:sp>
+      <p:sp>
+        <p:nvSpPr>
+          <p:cNvPr id="2" name="テキスト ボックス 1">
+            <a:extLst>
+              <a:ext uri="{FF2B5EF4-FFF2-40B4-BE49-F238E27FC236}">
+                <a16:creationId xmlns:a16="http://schemas.microsoft.com/office/drawing/2014/main" id="{0D86CADB-6672-3118-E959-68B6B5A54EE0}"/>
+              </a:ext>
+            </a:extLst>
+          </p:cNvPr>
+          <p:cNvSpPr txBox="1"/>
+          <p:nvPr/>
+        </p:nvSpPr>
+        <p:spPr>
+          <a:xfrm>
+            <a:off x="-244302" y="5234127"/>
+            <a:ext cx="5667828" cy="461665"/>
+          </a:xfrm>
+          <a:prstGeom prst="rect">
+            <a:avLst/>
+          </a:prstGeom>
+          <a:noFill/>
+        </p:spPr>
+        <p:txBody>
+          <a:bodyPr wrap="square" rtlCol="0">
+            <a:spAutoFit/>
+          </a:bodyPr>
+          <a:lstStyle/>
+          <a:p>
+            <a:pPr algn="ctr"/>
+            <a:r>
+              <a:rPr lang="en-US" altLang="ja-JP" sz="2400" b="1" dirty="0">
+                <a:effectLst>
+                  <a:glow rad="101600">
+                    <a:schemeClr val="bg1">
+                      <a:alpha val="60000"/>
+                    </a:schemeClr>
+                  </a:glow>
+                </a:effectLst>
+              </a:rPr>
+              <a:t>~ 2009,</a:t>
+            </a:r>
+            <a:r>
+              <a:rPr lang="ja-JP" altLang="en-US" sz="2400" b="1" dirty="0">
+                <a:effectLst>
+                  <a:glow rad="101600">
+                    <a:schemeClr val="bg1">
+                      <a:alpha val="60000"/>
+                    </a:schemeClr>
+                  </a:glow>
+                </a:effectLst>
+              </a:rPr>
+              <a:t> </a:t>
+            </a:r>
+            <a:r>
+              <a:rPr lang="en-US" altLang="ja-JP" sz="2400" b="1" dirty="0">
+                <a:effectLst>
+                  <a:glow rad="101600">
+                    <a:schemeClr val="bg1">
+                      <a:alpha val="60000"/>
+                    </a:schemeClr>
+                  </a:glow>
+                </a:effectLst>
+              </a:rPr>
+              <a:t>2010</a:t>
+            </a:r>
+            <a:r>
+              <a:rPr lang="ja-JP" altLang="en-US" sz="2400" b="1" dirty="0">
+                <a:effectLst>
+                  <a:glow rad="101600">
+                    <a:schemeClr val="bg1">
+                      <a:alpha val="60000"/>
+                    </a:schemeClr>
+                  </a:glow>
+                </a:effectLst>
+              </a:rPr>
+              <a:t>年出来事</a:t>
+            </a:r>
+            <a:r>
+              <a:rPr lang="en-US" altLang="ja-JP" sz="2400" b="1" dirty="0">
+                <a:effectLst>
+                  <a:glow rad="101600">
+                    <a:schemeClr val="bg1">
+                      <a:alpha val="60000"/>
+                    </a:schemeClr>
+                  </a:glow>
+                </a:effectLst>
+              </a:rPr>
+              <a:t>~</a:t>
+            </a:r>
+            <a:endParaRPr kumimoji="1" lang="ja-JP" altLang="en-US" sz="2400" b="1" dirty="0">
+              <a:effectLst>
+                <a:glow rad="101600">
+                  <a:schemeClr val="bg1">
+                    <a:alpha val="60000"/>
+                  </a:schemeClr>
+                </a:glow>
+              </a:effectLst>
+            </a:endParaRPr>
+          </a:p>
+        </p:txBody>
+      </p:sp>
+      <p:sp>
+        <p:nvSpPr>
+          <p:cNvPr id="3" name="テキスト ボックス 2">
+            <a:extLst>
+              <a:ext uri="{FF2B5EF4-FFF2-40B4-BE49-F238E27FC236}">
+                <a16:creationId xmlns:a16="http://schemas.microsoft.com/office/drawing/2014/main" id="{B2FC5E1F-BF0E-7C45-E2CB-6CDF4E425E8B}"/>
+              </a:ext>
+            </a:extLst>
+          </p:cNvPr>
+          <p:cNvSpPr txBox="1"/>
+          <p:nvPr/>
+        </p:nvSpPr>
+        <p:spPr>
+          <a:xfrm>
+            <a:off x="-244302" y="5706880"/>
+            <a:ext cx="5667828" cy="1077218"/>
+          </a:xfrm>
+          <a:prstGeom prst="rect">
+            <a:avLst/>
+          </a:prstGeom>
+          <a:noFill/>
+        </p:spPr>
+        <p:txBody>
+          <a:bodyPr wrap="square" rtlCol="0">
+            <a:spAutoFit/>
+          </a:bodyPr>
+          <a:lstStyle/>
+          <a:p>
+            <a:pPr algn="ctr"/>
+            <a:r>
+              <a:rPr lang="ja-JP" altLang="en-US" sz="2400" b="1" dirty="0">
+                <a:effectLst>
+                  <a:glow rad="101600">
+                    <a:schemeClr val="bg1">
+                      <a:alpha val="60000"/>
+                    </a:schemeClr>
+                  </a:glow>
+                </a:effectLst>
+              </a:rPr>
+              <a:t>新型インフルエンザ感染拡大 </a:t>
+            </a:r>
+            <a:r>
+              <a:rPr lang="en-US" altLang="ja-JP" sz="2400" b="1" dirty="0">
+                <a:effectLst>
+                  <a:glow rad="101600">
+                    <a:schemeClr val="bg1">
+                      <a:alpha val="60000"/>
+                    </a:schemeClr>
+                  </a:glow>
+                </a:effectLst>
+              </a:rPr>
+              <a:t>etc.</a:t>
+            </a:r>
+          </a:p>
+          <a:p>
+            <a:pPr algn="ctr"/>
+            <a:endParaRPr lang="en-US" altLang="ja-JP" sz="2400" b="1" dirty="0">
+              <a:effectLst>
+                <a:glow rad="101600">
+                  <a:schemeClr val="bg1">
+                    <a:alpha val="60000"/>
+                  </a:schemeClr>
+                </a:glow>
+              </a:effectLst>
+            </a:endParaRPr>
+          </a:p>
+          <a:p>
+            <a:pPr algn="ctr"/>
+            <a:r>
+              <a:rPr kumimoji="1" lang="ja-JP" altLang="en-US" sz="1600" b="1" dirty="0">
+                <a:effectLst>
+                  <a:glow rad="101600">
+                    <a:schemeClr val="bg1">
+                      <a:alpha val="60000"/>
+                    </a:schemeClr>
+                  </a:glow>
+                </a:effectLst>
+              </a:rPr>
+              <a:t>パッとするものあんま出てこなかった</a:t>
+            </a:r>
+          </a:p>
+        </p:txBody>
+      </p:sp>
+      <p:cxnSp>
+        <p:nvCxnSpPr>
+          <p:cNvPr id="5" name="直線コネクタ 4">
+            <a:extLst>
+              <a:ext uri="{FF2B5EF4-FFF2-40B4-BE49-F238E27FC236}">
+                <a16:creationId xmlns:a16="http://schemas.microsoft.com/office/drawing/2014/main" id="{9B7B1CF7-2459-86FD-DF43-83C4557A3510}"/>
+              </a:ext>
+            </a:extLst>
+          </p:cNvPr>
+          <p:cNvCxnSpPr>
+            <a:cxnSpLocks/>
+          </p:cNvCxnSpPr>
+          <p:nvPr/>
+        </p:nvCxnSpPr>
+        <p:spPr>
+          <a:xfrm>
+            <a:off x="232229" y="5098662"/>
+            <a:ext cx="5348514" cy="0"/>
+          </a:xfrm>
+          <a:prstGeom prst="line">
+            <a:avLst/>
+          </a:prstGeom>
+        </p:spPr>
+        <p:style>
+          <a:lnRef idx="2">
+            <a:schemeClr val="dk1"/>
+          </a:lnRef>
+          <a:fillRef idx="0">
+            <a:schemeClr val="dk1"/>
+          </a:fillRef>
+          <a:effectRef idx="1">
+            <a:schemeClr val="dk1"/>
+          </a:effectRef>
+          <a:fontRef idx="minor">
+            <a:schemeClr val="tx1"/>
+          </a:fontRef>
+        </p:style>
+      </p:cxnSp>
+      <p:cxnSp>
+        <p:nvCxnSpPr>
+          <p:cNvPr id="8" name="直線コネクタ 7">
+            <a:extLst>
+              <a:ext uri="{FF2B5EF4-FFF2-40B4-BE49-F238E27FC236}">
+                <a16:creationId xmlns:a16="http://schemas.microsoft.com/office/drawing/2014/main" id="{2740A10A-B8C8-7FBD-907A-528658B2E758}"/>
+              </a:ext>
+            </a:extLst>
+          </p:cNvPr>
+          <p:cNvCxnSpPr>
+            <a:cxnSpLocks/>
+          </p:cNvCxnSpPr>
+          <p:nvPr/>
+        </p:nvCxnSpPr>
+        <p:spPr>
+          <a:xfrm>
+            <a:off x="5660572" y="5220727"/>
+            <a:ext cx="0" cy="1505863"/>
+          </a:xfrm>
+          <a:prstGeom prst="line">
+            <a:avLst/>
+          </a:prstGeom>
+        </p:spPr>
+        <p:style>
+          <a:lnRef idx="2">
+            <a:schemeClr val="dk1"/>
+          </a:lnRef>
+          <a:fillRef idx="0">
+            <a:schemeClr val="dk1"/>
+          </a:fillRef>
+          <a:effectRef idx="1">
+            <a:schemeClr val="dk1"/>
+          </a:effectRef>
+          <a:fontRef idx="minor">
+            <a:schemeClr val="tx1"/>
+          </a:fontRef>
+        </p:style>
+      </p:cxnSp>
     </p:spTree>
     <p:extLst>
       <p:ext uri="{BB962C8B-B14F-4D97-AF65-F5344CB8AC3E}">
@@ -4579,7 +6153,7 @@
       <p:bgPr>
         <a:blipFill dpi="0" rotWithShape="1">
           <a:blip r:embed="rId2">
-            <a:alphaModFix amt="50000"/>
+            <a:alphaModFix amt="35000"/>
             <a:lum/>
           </a:blip>
           <a:srcRect/>
@@ -4604,12 +6178,50 @@
           <a:chExt cx="0" cy="0"/>
         </a:xfrm>
       </p:grpSpPr>
-      <p:sp>
-        <p:nvSpPr>
-          <p:cNvPr id="4" name="テキスト ボックス 3">
-            <a:extLst>
-              <a:ext uri="{FF2B5EF4-FFF2-40B4-BE49-F238E27FC236}">
-                <a16:creationId xmlns:a16="http://schemas.microsoft.com/office/drawing/2014/main" id="{3D1D5B97-7A1A-1C9A-5FCD-5DA3A9123F9B}"/>
+      <p:cxnSp>
+        <p:nvCxnSpPr>
+          <p:cNvPr id="5" name="直線コネクタ 4">
+            <a:extLst>
+              <a:ext uri="{FF2B5EF4-FFF2-40B4-BE49-F238E27FC236}">
+                <a16:creationId xmlns:a16="http://schemas.microsoft.com/office/drawing/2014/main" id="{6B0E5724-94D0-4A46-5823-D7C331B56742}"/>
+              </a:ext>
+            </a:extLst>
+          </p:cNvPr>
+          <p:cNvCxnSpPr>
+            <a:cxnSpLocks/>
+          </p:cNvCxnSpPr>
+          <p:nvPr/>
+        </p:nvCxnSpPr>
+        <p:spPr>
+          <a:xfrm>
+            <a:off x="0" y="613748"/>
+            <a:ext cx="5667829" cy="0"/>
+          </a:xfrm>
+          <a:prstGeom prst="line">
+            <a:avLst/>
+          </a:prstGeom>
+        </p:spPr>
+        <p:style>
+          <a:lnRef idx="2">
+            <a:schemeClr val="dk1"/>
+          </a:lnRef>
+          <a:fillRef idx="0">
+            <a:schemeClr val="dk1"/>
+          </a:fillRef>
+          <a:effectRef idx="1">
+            <a:schemeClr val="dk1"/>
+          </a:effectRef>
+          <a:fontRef idx="minor">
+            <a:schemeClr val="tx1"/>
+          </a:fontRef>
+        </p:style>
+      </p:cxnSp>
+      <p:sp>
+        <p:nvSpPr>
+          <p:cNvPr id="6" name="テキスト ボックス 5">
+            <a:extLst>
+              <a:ext uri="{FF2B5EF4-FFF2-40B4-BE49-F238E27FC236}">
+                <a16:creationId xmlns:a16="http://schemas.microsoft.com/office/drawing/2014/main" id="{ACDAA645-683B-A8C8-6FF6-6658AFE6C5F4}"/>
               </a:ext>
             </a:extLst>
           </p:cNvPr>
@@ -4618,8 +6230,8 @@
         </p:nvSpPr>
         <p:spPr>
           <a:xfrm>
-            <a:off x="399143" y="316467"/>
-            <a:ext cx="2902857" cy="369332"/>
+            <a:off x="5667828" y="130649"/>
+            <a:ext cx="6524171" cy="769441"/>
           </a:xfrm>
           <a:prstGeom prst="rect">
             <a:avLst/>
@@ -4633,14 +6245,612 @@
           <a:lstStyle/>
           <a:p>
             <a:r>
-              <a:rPr kumimoji="1" lang="ja-JP" altLang="en-US" dirty="0"/>
-              <a:t>特徴</a:t>
-            </a:r>
-            <a:r>
-              <a:rPr lang="ja-JP" altLang="en-US" dirty="0"/>
-              <a:t>（注目ポイント）</a:t>
-            </a:r>
-            <a:endParaRPr kumimoji="1" lang="ja-JP" altLang="en-US" dirty="0"/>
+              <a:rPr lang="ja-JP" altLang="en-US" sz="4400" b="1" dirty="0">
+                <a:solidFill>
+                  <a:schemeClr val="accent5">
+                    <a:lumMod val="60000"/>
+                    <a:lumOff val="40000"/>
+                  </a:schemeClr>
+                </a:solidFill>
+                <a:effectLst>
+                  <a:glow rad="101600">
+                    <a:schemeClr val="bg1">
+                      <a:alpha val="60000"/>
+                    </a:schemeClr>
+                  </a:glow>
+                </a:effectLst>
+                <a:latin typeface="HGP創英角ｺﾞｼｯｸUB" panose="020B0900000000000000" pitchFamily="50" charset="-128"/>
+                <a:ea typeface="HGP創英角ｺﾞｼｯｸUB" panose="020B0900000000000000" pitchFamily="50" charset="-128"/>
+              </a:rPr>
+              <a:t>特徴（注目ポイント）</a:t>
+            </a:r>
+          </a:p>
+        </p:txBody>
+      </p:sp>
+      <p:sp>
+        <p:nvSpPr>
+          <p:cNvPr id="2" name="テキスト ボックス 1">
+            <a:extLst>
+              <a:ext uri="{FF2B5EF4-FFF2-40B4-BE49-F238E27FC236}">
+                <a16:creationId xmlns:a16="http://schemas.microsoft.com/office/drawing/2014/main" id="{6400AEBA-7B57-95BF-3F03-BEE979749D9B}"/>
+              </a:ext>
+            </a:extLst>
+          </p:cNvPr>
+          <p:cNvSpPr txBox="1"/>
+          <p:nvPr/>
+        </p:nvSpPr>
+        <p:spPr>
+          <a:xfrm>
+            <a:off x="642479" y="1154393"/>
+            <a:ext cx="3573533" cy="646331"/>
+          </a:xfrm>
+          <a:prstGeom prst="rect">
+            <a:avLst/>
+          </a:prstGeom>
+          <a:noFill/>
+        </p:spPr>
+        <p:txBody>
+          <a:bodyPr wrap="square" rtlCol="0">
+            <a:spAutoFit/>
+          </a:bodyPr>
+          <a:lstStyle/>
+          <a:p>
+            <a:pPr algn="ctr"/>
+            <a:r>
+              <a:rPr lang="ja-JP" altLang="en-US" sz="3600" b="1" dirty="0">
+                <a:solidFill>
+                  <a:schemeClr val="accent5">
+                    <a:lumMod val="60000"/>
+                    <a:lumOff val="40000"/>
+                  </a:schemeClr>
+                </a:solidFill>
+                <a:effectLst>
+                  <a:glow rad="101600">
+                    <a:schemeClr val="bg1">
+                      <a:alpha val="60000"/>
+                    </a:schemeClr>
+                  </a:glow>
+                </a:effectLst>
+              </a:rPr>
+              <a:t>＜ 前菜 ＞</a:t>
+            </a:r>
+            <a:endParaRPr kumimoji="1" lang="ja-JP" altLang="en-US" sz="3600" b="1" dirty="0">
+              <a:solidFill>
+                <a:schemeClr val="accent5">
+                  <a:lumMod val="60000"/>
+                  <a:lumOff val="40000"/>
+                </a:schemeClr>
+              </a:solidFill>
+              <a:effectLst>
+                <a:glow rad="101600">
+                  <a:schemeClr val="bg1">
+                    <a:alpha val="60000"/>
+                  </a:schemeClr>
+                </a:glow>
+              </a:effectLst>
+            </a:endParaRPr>
+          </a:p>
+        </p:txBody>
+      </p:sp>
+      <p:sp>
+        <p:nvSpPr>
+          <p:cNvPr id="3" name="テキスト ボックス 2">
+            <a:extLst>
+              <a:ext uri="{FF2B5EF4-FFF2-40B4-BE49-F238E27FC236}">
+                <a16:creationId xmlns:a16="http://schemas.microsoft.com/office/drawing/2014/main" id="{FC7F56C3-9D93-32BA-C247-FEDCFB9F5A8E}"/>
+              </a:ext>
+            </a:extLst>
+          </p:cNvPr>
+          <p:cNvSpPr txBox="1"/>
+          <p:nvPr/>
+        </p:nvSpPr>
+        <p:spPr>
+          <a:xfrm>
+            <a:off x="810264" y="2722380"/>
+            <a:ext cx="3237962" cy="646331"/>
+          </a:xfrm>
+          <a:prstGeom prst="rect">
+            <a:avLst/>
+          </a:prstGeom>
+          <a:noFill/>
+        </p:spPr>
+        <p:txBody>
+          <a:bodyPr wrap="square" rtlCol="0">
+            <a:spAutoFit/>
+          </a:bodyPr>
+          <a:lstStyle/>
+          <a:p>
+            <a:pPr algn="ctr"/>
+            <a:r>
+              <a:rPr lang="ja-JP" altLang="en-US" sz="3600" b="1" dirty="0">
+                <a:solidFill>
+                  <a:schemeClr val="accent5">
+                    <a:lumMod val="60000"/>
+                    <a:lumOff val="40000"/>
+                  </a:schemeClr>
+                </a:solidFill>
+                <a:effectLst>
+                  <a:glow rad="101600">
+                    <a:schemeClr val="bg1">
+                      <a:alpha val="60000"/>
+                    </a:schemeClr>
+                  </a:glow>
+                </a:effectLst>
+              </a:rPr>
+              <a:t>＜ メイン ＞</a:t>
+            </a:r>
+            <a:endParaRPr kumimoji="1" lang="ja-JP" altLang="en-US" sz="3600" b="1" dirty="0">
+              <a:solidFill>
+                <a:schemeClr val="accent5">
+                  <a:lumMod val="60000"/>
+                  <a:lumOff val="40000"/>
+                </a:schemeClr>
+              </a:solidFill>
+              <a:effectLst>
+                <a:glow rad="101600">
+                  <a:schemeClr val="bg1">
+                    <a:alpha val="60000"/>
+                  </a:schemeClr>
+                </a:glow>
+              </a:effectLst>
+            </a:endParaRPr>
+          </a:p>
+        </p:txBody>
+      </p:sp>
+      <p:sp>
+        <p:nvSpPr>
+          <p:cNvPr id="4" name="テキスト ボックス 3">
+            <a:extLst>
+              <a:ext uri="{FF2B5EF4-FFF2-40B4-BE49-F238E27FC236}">
+                <a16:creationId xmlns:a16="http://schemas.microsoft.com/office/drawing/2014/main" id="{067EFBCF-8044-D3A6-9D2E-DDF4377E031B}"/>
+              </a:ext>
+            </a:extLst>
+          </p:cNvPr>
+          <p:cNvSpPr txBox="1"/>
+          <p:nvPr/>
+        </p:nvSpPr>
+        <p:spPr>
+          <a:xfrm>
+            <a:off x="978050" y="5046376"/>
+            <a:ext cx="3237962" cy="646331"/>
+          </a:xfrm>
+          <a:prstGeom prst="rect">
+            <a:avLst/>
+          </a:prstGeom>
+          <a:noFill/>
+        </p:spPr>
+        <p:txBody>
+          <a:bodyPr wrap="square" rtlCol="0">
+            <a:spAutoFit/>
+          </a:bodyPr>
+          <a:lstStyle/>
+          <a:p>
+            <a:pPr algn="ctr"/>
+            <a:r>
+              <a:rPr lang="ja-JP" altLang="en-US" sz="3600" b="1" dirty="0">
+                <a:solidFill>
+                  <a:schemeClr val="accent5">
+                    <a:lumMod val="60000"/>
+                    <a:lumOff val="40000"/>
+                  </a:schemeClr>
+                </a:solidFill>
+                <a:effectLst>
+                  <a:glow rad="101600">
+                    <a:schemeClr val="bg1">
+                      <a:alpha val="60000"/>
+                    </a:schemeClr>
+                  </a:glow>
+                </a:effectLst>
+              </a:rPr>
+              <a:t>＜ デザート ＞</a:t>
+            </a:r>
+            <a:endParaRPr lang="en-US" altLang="ja-JP" sz="3600" b="1" dirty="0">
+              <a:solidFill>
+                <a:schemeClr val="accent5">
+                  <a:lumMod val="60000"/>
+                  <a:lumOff val="40000"/>
+                </a:schemeClr>
+              </a:solidFill>
+              <a:effectLst>
+                <a:glow rad="101600">
+                  <a:schemeClr val="bg1">
+                    <a:alpha val="60000"/>
+                  </a:schemeClr>
+                </a:glow>
+              </a:effectLst>
+            </a:endParaRPr>
+          </a:p>
+        </p:txBody>
+      </p:sp>
+      <p:sp>
+        <p:nvSpPr>
+          <p:cNvPr id="7" name="テキスト ボックス 6">
+            <a:extLst>
+              <a:ext uri="{FF2B5EF4-FFF2-40B4-BE49-F238E27FC236}">
+                <a16:creationId xmlns:a16="http://schemas.microsoft.com/office/drawing/2014/main" id="{5069D185-5D92-F724-4220-1CDACB89CE12}"/>
+              </a:ext>
+            </a:extLst>
+          </p:cNvPr>
+          <p:cNvSpPr txBox="1"/>
+          <p:nvPr/>
+        </p:nvSpPr>
+        <p:spPr>
+          <a:xfrm>
+            <a:off x="412135" y="1952160"/>
+            <a:ext cx="5409494" cy="523220"/>
+          </a:xfrm>
+          <a:prstGeom prst="rect">
+            <a:avLst/>
+          </a:prstGeom>
+          <a:noFill/>
+        </p:spPr>
+        <p:txBody>
+          <a:bodyPr wrap="square" rtlCol="0">
+            <a:spAutoFit/>
+          </a:bodyPr>
+          <a:lstStyle/>
+          <a:p>
+            <a:r>
+              <a:rPr kumimoji="1" lang="ja-JP" altLang="en-US" sz="2800" b="1" dirty="0">
+                <a:effectLst>
+                  <a:glow rad="101600">
+                    <a:schemeClr val="bg1">
+                      <a:alpha val="60000"/>
+                    </a:schemeClr>
+                  </a:glow>
+                </a:effectLst>
+              </a:rPr>
+              <a:t>一話の構成がタイプの違う話</a:t>
+            </a:r>
+          </a:p>
+        </p:txBody>
+      </p:sp>
+      <p:sp>
+        <p:nvSpPr>
+          <p:cNvPr id="8" name="テキスト ボックス 7">
+            <a:extLst>
+              <a:ext uri="{FF2B5EF4-FFF2-40B4-BE49-F238E27FC236}">
+                <a16:creationId xmlns:a16="http://schemas.microsoft.com/office/drawing/2014/main" id="{38AF3E92-56E7-EDD1-0F8D-1B68E9144E21}"/>
+              </a:ext>
+            </a:extLst>
+          </p:cNvPr>
+          <p:cNvSpPr txBox="1"/>
+          <p:nvPr/>
+        </p:nvSpPr>
+        <p:spPr>
+          <a:xfrm>
+            <a:off x="558717" y="5823238"/>
+            <a:ext cx="5409494" cy="523220"/>
+          </a:xfrm>
+          <a:prstGeom prst="rect">
+            <a:avLst/>
+          </a:prstGeom>
+          <a:noFill/>
+        </p:spPr>
+        <p:txBody>
+          <a:bodyPr wrap="square" rtlCol="0">
+            <a:spAutoFit/>
+          </a:bodyPr>
+          <a:lstStyle/>
+          <a:p>
+            <a:r>
+              <a:rPr kumimoji="1" lang="en-US" altLang="ja-JP" sz="2800" b="1" dirty="0">
+                <a:effectLst>
+                  <a:glow rad="101600">
+                    <a:schemeClr val="bg1">
+                      <a:alpha val="60000"/>
+                    </a:schemeClr>
+                  </a:glow>
+                </a:effectLst>
+              </a:rPr>
+              <a:t>ED</a:t>
+            </a:r>
+            <a:r>
+              <a:rPr kumimoji="1" lang="ja-JP" altLang="en-US" sz="2800" b="1" dirty="0">
+                <a:effectLst>
+                  <a:glow rad="101600">
+                    <a:schemeClr val="bg1">
+                      <a:alpha val="60000"/>
+                    </a:schemeClr>
+                  </a:glow>
+                </a:effectLst>
+              </a:rPr>
+              <a:t>テーマがカッコいい</a:t>
+            </a:r>
+          </a:p>
+        </p:txBody>
+      </p:sp>
+      <p:pic>
+        <p:nvPicPr>
+          <p:cNvPr id="2050" name="Picture 2" descr="Lost Boy-歌詞-SEAMO-KKBOX">
+            <a:extLst>
+              <a:ext uri="{FF2B5EF4-FFF2-40B4-BE49-F238E27FC236}">
+                <a16:creationId xmlns:a16="http://schemas.microsoft.com/office/drawing/2014/main" id="{5C7CDC92-AE91-F792-5C31-63F0AEDF4347}"/>
+              </a:ext>
+            </a:extLst>
+          </p:cNvPr>
+          <p:cNvPicPr>
+            <a:picLocks noChangeAspect="1" noChangeArrowheads="1"/>
+          </p:cNvPicPr>
+          <p:nvPr/>
+        </p:nvPicPr>
+        <p:blipFill>
+          <a:blip r:embed="rId3">
+            <a:extLst>
+              <a:ext uri="{28A0092B-C50C-407E-A947-70E740481C1C}">
+                <a14:useLocalDpi xmlns:a14="http://schemas.microsoft.com/office/drawing/2010/main" val="0"/>
+              </a:ext>
+            </a:extLst>
+          </a:blip>
+          <a:srcRect/>
+          <a:stretch>
+            <a:fillRect/>
+          </a:stretch>
+        </p:blipFill>
+        <p:spPr bwMode="auto">
+          <a:xfrm>
+            <a:off x="4622006" y="5015358"/>
+            <a:ext cx="1615760" cy="1615760"/>
+          </a:xfrm>
+          <a:prstGeom prst="rect">
+            <a:avLst/>
+          </a:prstGeom>
+          <a:ln>
+            <a:noFill/>
+          </a:ln>
+          <a:effectLst>
+            <a:outerShdw blurRad="292100" dist="139700" dir="2700000" algn="tl" rotWithShape="0">
+              <a:srgbClr val="333333">
+                <a:alpha val="65000"/>
+              </a:srgbClr>
+            </a:outerShdw>
+          </a:effectLst>
+          <a:extLst>
+            <a:ext uri="{909E8E84-426E-40DD-AFC4-6F175D3DCCD1}">
+              <a14:hiddenFill xmlns:a14="http://schemas.microsoft.com/office/drawing/2010/main">
+                <a:solidFill>
+                  <a:srgbClr val="FFFFFF"/>
+                </a:solidFill>
+              </a14:hiddenFill>
+            </a:ext>
+          </a:extLst>
+        </p:spPr>
+      </p:pic>
+      <p:sp>
+        <p:nvSpPr>
+          <p:cNvPr id="9" name="テキスト ボックス 8">
+            <a:extLst>
+              <a:ext uri="{FF2B5EF4-FFF2-40B4-BE49-F238E27FC236}">
+                <a16:creationId xmlns:a16="http://schemas.microsoft.com/office/drawing/2014/main" id="{237CCF8B-5D64-D76F-C807-1F0D57A628AC}"/>
+              </a:ext>
+            </a:extLst>
+          </p:cNvPr>
+          <p:cNvSpPr txBox="1"/>
+          <p:nvPr/>
+        </p:nvSpPr>
+        <p:spPr>
+          <a:xfrm>
+            <a:off x="6360737" y="5964531"/>
+            <a:ext cx="2662947" cy="523220"/>
+          </a:xfrm>
+          <a:prstGeom prst="rect">
+            <a:avLst/>
+          </a:prstGeom>
+          <a:noFill/>
+        </p:spPr>
+        <p:txBody>
+          <a:bodyPr wrap="square" rtlCol="0">
+            <a:spAutoFit/>
+          </a:bodyPr>
+          <a:lstStyle/>
+          <a:p>
+            <a:r>
+              <a:rPr lang="ja-JP" altLang="en-US" sz="2800" b="1" dirty="0">
+                <a:effectLst>
+                  <a:glow rad="101600">
+                    <a:schemeClr val="bg1">
+                      <a:alpha val="60000"/>
+                    </a:schemeClr>
+                  </a:glow>
+                </a:effectLst>
+              </a:rPr>
+              <a:t>曲名</a:t>
+            </a:r>
+            <a:r>
+              <a:rPr lang="en-US" altLang="ja-JP" sz="2800" b="1" dirty="0">
+                <a:effectLst>
+                  <a:glow rad="101600">
+                    <a:schemeClr val="bg1">
+                      <a:alpha val="60000"/>
+                    </a:schemeClr>
+                  </a:glow>
+                </a:effectLst>
+              </a:rPr>
+              <a:t>: Lost Boy</a:t>
+            </a:r>
+            <a:endParaRPr kumimoji="1" lang="ja-JP" altLang="en-US" sz="2800" b="1" dirty="0">
+              <a:effectLst>
+                <a:glow rad="101600">
+                  <a:schemeClr val="bg1">
+                    <a:alpha val="60000"/>
+                  </a:schemeClr>
+                </a:glow>
+              </a:effectLst>
+            </a:endParaRPr>
+          </a:p>
+        </p:txBody>
+      </p:sp>
+      <p:sp>
+        <p:nvSpPr>
+          <p:cNvPr id="10" name="テキスト ボックス 9">
+            <a:extLst>
+              <a:ext uri="{FF2B5EF4-FFF2-40B4-BE49-F238E27FC236}">
+                <a16:creationId xmlns:a16="http://schemas.microsoft.com/office/drawing/2014/main" id="{09F5CCDA-B029-EEED-C9E2-BF7791082320}"/>
+              </a:ext>
+            </a:extLst>
+          </p:cNvPr>
+          <p:cNvSpPr txBox="1"/>
+          <p:nvPr/>
+        </p:nvSpPr>
+        <p:spPr>
+          <a:xfrm>
+            <a:off x="6290935" y="5300018"/>
+            <a:ext cx="3999685" cy="523220"/>
+          </a:xfrm>
+          <a:prstGeom prst="rect">
+            <a:avLst/>
+          </a:prstGeom>
+          <a:noFill/>
+        </p:spPr>
+        <p:txBody>
+          <a:bodyPr wrap="square" rtlCol="0">
+            <a:spAutoFit/>
+          </a:bodyPr>
+          <a:lstStyle/>
+          <a:p>
+            <a:r>
+              <a:rPr lang="ja-JP" altLang="en-US" sz="2800" b="1" dirty="0">
+                <a:effectLst>
+                  <a:glow rad="101600">
+                    <a:schemeClr val="bg1">
+                      <a:alpha val="60000"/>
+                    </a:schemeClr>
+                  </a:glow>
+                </a:effectLst>
+              </a:rPr>
+              <a:t>歌手名</a:t>
+            </a:r>
+            <a:r>
+              <a:rPr lang="en-US" altLang="ja-JP" sz="2800" b="1" dirty="0">
+                <a:effectLst>
+                  <a:glow rad="101600">
+                    <a:schemeClr val="bg1">
+                      <a:alpha val="60000"/>
+                    </a:schemeClr>
+                  </a:glow>
+                </a:effectLst>
+              </a:rPr>
+              <a:t>: SEAMO</a:t>
+            </a:r>
+            <a:endParaRPr kumimoji="1" lang="ja-JP" altLang="en-US" sz="2800" b="1" dirty="0">
+              <a:effectLst>
+                <a:glow rad="101600">
+                  <a:schemeClr val="bg1">
+                    <a:alpha val="60000"/>
+                  </a:schemeClr>
+                </a:glow>
+              </a:effectLst>
+            </a:endParaRPr>
+          </a:p>
+        </p:txBody>
+      </p:sp>
+      <p:pic>
+        <p:nvPicPr>
+          <p:cNvPr id="12" name="図 11" descr="マグカップ, 食品, 挿絵, カップ が含まれている画像&#10;&#10;AI 生成コンテンツは誤りを含む可能性があります。">
+            <a:extLst>
+              <a:ext uri="{FF2B5EF4-FFF2-40B4-BE49-F238E27FC236}">
+                <a16:creationId xmlns:a16="http://schemas.microsoft.com/office/drawing/2014/main" id="{DA38FFFB-8F00-1584-9EBA-C946D974CB74}"/>
+              </a:ext>
+            </a:extLst>
+          </p:cNvPr>
+          <p:cNvPicPr>
+            <a:picLocks noChangeAspect="1"/>
+          </p:cNvPicPr>
+          <p:nvPr/>
+        </p:nvPicPr>
+        <p:blipFill>
+          <a:blip r:embed="rId4">
+            <a:extLst>
+              <a:ext uri="{28A0092B-C50C-407E-A947-70E740481C1C}">
+                <a14:useLocalDpi xmlns:a14="http://schemas.microsoft.com/office/drawing/2010/main" val="0"/>
+              </a:ext>
+            </a:extLst>
+          </a:blip>
+          <a:stretch>
+            <a:fillRect/>
+          </a:stretch>
+        </p:blipFill>
+        <p:spPr>
+          <a:xfrm>
+            <a:off x="9146655" y="4240009"/>
+            <a:ext cx="2629267" cy="2391109"/>
+          </a:xfrm>
+          <a:prstGeom prst="rect">
+            <a:avLst/>
+          </a:prstGeom>
+          <a:ln>
+            <a:noFill/>
+          </a:ln>
+          <a:effectLst>
+            <a:outerShdw blurRad="292100" dist="139700" dir="2700000" algn="tl" rotWithShape="0">
+              <a:srgbClr val="333333">
+                <a:alpha val="65000"/>
+              </a:srgbClr>
+            </a:outerShdw>
+          </a:effectLst>
+        </p:spPr>
+      </p:pic>
+      <p:sp>
+        <p:nvSpPr>
+          <p:cNvPr id="13" name="テキスト ボックス 12">
+            <a:extLst>
+              <a:ext uri="{FF2B5EF4-FFF2-40B4-BE49-F238E27FC236}">
+                <a16:creationId xmlns:a16="http://schemas.microsoft.com/office/drawing/2014/main" id="{409C4A2D-0D6D-27F3-6997-1558DFB8E9E7}"/>
+              </a:ext>
+            </a:extLst>
+          </p:cNvPr>
+          <p:cNvSpPr txBox="1"/>
+          <p:nvPr/>
+        </p:nvSpPr>
+        <p:spPr>
+          <a:xfrm>
+            <a:off x="642479" y="3848500"/>
+            <a:ext cx="7908208" cy="523220"/>
+          </a:xfrm>
+          <a:prstGeom prst="rect">
+            <a:avLst/>
+          </a:prstGeom>
+          <a:noFill/>
+        </p:spPr>
+        <p:txBody>
+          <a:bodyPr wrap="square" rtlCol="0">
+            <a:spAutoFit/>
+          </a:bodyPr>
+          <a:lstStyle/>
+          <a:p>
+            <a:r>
+              <a:rPr kumimoji="1" lang="ja-JP" altLang="en-US" sz="2800" b="1" dirty="0">
+                <a:effectLst>
+                  <a:glow rad="101600">
+                    <a:schemeClr val="bg1">
+                      <a:alpha val="60000"/>
+                    </a:schemeClr>
+                  </a:glow>
+                </a:effectLst>
+              </a:rPr>
+              <a:t>ちゃんと怖くて不気味さを感じる </a:t>
+            </a:r>
+            <a:r>
+              <a:rPr kumimoji="1" lang="en-US" altLang="ja-JP" sz="2800" b="1" dirty="0">
+                <a:effectLst>
+                  <a:glow rad="101600">
+                    <a:schemeClr val="bg1">
+                      <a:alpha val="60000"/>
+                    </a:schemeClr>
+                  </a:glow>
+                </a:effectLst>
+              </a:rPr>
+              <a:t>Level.100</a:t>
+            </a:r>
+            <a:endParaRPr kumimoji="1" lang="ja-JP" altLang="en-US" sz="2800" b="1" dirty="0">
+              <a:effectLst>
+                <a:glow rad="101600">
+                  <a:schemeClr val="bg1">
+                    <a:alpha val="60000"/>
+                  </a:schemeClr>
+                </a:glow>
+              </a:effectLst>
+            </a:endParaRPr>
           </a:p>
         </p:txBody>
       </p:sp>
@@ -4689,12 +6899,50 @@
           <a:chExt cx="0" cy="0"/>
         </a:xfrm>
       </p:grpSpPr>
-      <p:sp>
-        <p:nvSpPr>
-          <p:cNvPr id="4" name="テキスト ボックス 3">
-            <a:extLst>
-              <a:ext uri="{FF2B5EF4-FFF2-40B4-BE49-F238E27FC236}">
-                <a16:creationId xmlns:a16="http://schemas.microsoft.com/office/drawing/2014/main" id="{078C2937-6F91-0020-33E3-3DCA4D3663F9}"/>
+      <p:cxnSp>
+        <p:nvCxnSpPr>
+          <p:cNvPr id="2" name="直線コネクタ 1">
+            <a:extLst>
+              <a:ext uri="{FF2B5EF4-FFF2-40B4-BE49-F238E27FC236}">
+                <a16:creationId xmlns:a16="http://schemas.microsoft.com/office/drawing/2014/main" id="{3D57B348-CA96-4336-BBAE-9E4E0C71AB08}"/>
+              </a:ext>
+            </a:extLst>
+          </p:cNvPr>
+          <p:cNvCxnSpPr>
+            <a:cxnSpLocks/>
+          </p:cNvCxnSpPr>
+          <p:nvPr/>
+        </p:nvCxnSpPr>
+        <p:spPr>
+          <a:xfrm>
+            <a:off x="0" y="613748"/>
+            <a:ext cx="5667829" cy="0"/>
+          </a:xfrm>
+          <a:prstGeom prst="line">
+            <a:avLst/>
+          </a:prstGeom>
+        </p:spPr>
+        <p:style>
+          <a:lnRef idx="2">
+            <a:schemeClr val="dk1"/>
+          </a:lnRef>
+          <a:fillRef idx="0">
+            <a:schemeClr val="dk1"/>
+          </a:fillRef>
+          <a:effectRef idx="1">
+            <a:schemeClr val="dk1"/>
+          </a:effectRef>
+          <a:fontRef idx="minor">
+            <a:schemeClr val="tx1"/>
+          </a:fontRef>
+        </p:style>
+      </p:cxnSp>
+      <p:sp>
+        <p:nvSpPr>
+          <p:cNvPr id="3" name="テキスト ボックス 2">
+            <a:extLst>
+              <a:ext uri="{FF2B5EF4-FFF2-40B4-BE49-F238E27FC236}">
+                <a16:creationId xmlns:a16="http://schemas.microsoft.com/office/drawing/2014/main" id="{CEEF47F4-DD63-D25A-0677-747161CA8623}"/>
               </a:ext>
             </a:extLst>
           </p:cNvPr>
@@ -4703,8 +6951,8 @@
         </p:nvSpPr>
         <p:spPr>
           <a:xfrm>
-            <a:off x="370114" y="345497"/>
-            <a:ext cx="4673600" cy="369332"/>
+            <a:off x="5667829" y="130649"/>
+            <a:ext cx="5975066" cy="1446550"/>
           </a:xfrm>
           <a:prstGeom prst="rect">
             <a:avLst/>
@@ -4718,8 +6966,289 @@
           <a:lstStyle/>
           <a:p>
             <a:r>
-              <a:rPr kumimoji="1" lang="ja-JP" altLang="en-US" dirty="0"/>
-              <a:t>なんでリメイクしてほしいか（まとめ）</a:t>
+              <a:rPr lang="ja-JP" altLang="en-US" sz="4400" b="1" dirty="0">
+                <a:solidFill>
+                  <a:srgbClr val="00B050"/>
+                </a:solidFill>
+                <a:effectLst>
+                  <a:glow rad="101600">
+                    <a:schemeClr val="bg1">
+                      <a:alpha val="60000"/>
+                    </a:schemeClr>
+                  </a:glow>
+                </a:effectLst>
+                <a:latin typeface="HGP創英角ｺﾞｼｯｸUB" panose="020B0900000000000000" pitchFamily="50" charset="-128"/>
+                <a:ea typeface="HGP創英角ｺﾞｼｯｸUB" panose="020B0900000000000000" pitchFamily="50" charset="-128"/>
+              </a:rPr>
+              <a:t>結局</a:t>
+            </a:r>
+            <a:r>
+              <a:rPr lang="en-US" altLang="ja-JP" sz="4400" b="1" dirty="0">
+                <a:solidFill>
+                  <a:srgbClr val="00B050"/>
+                </a:solidFill>
+                <a:effectLst>
+                  <a:glow rad="101600">
+                    <a:schemeClr val="bg1">
+                      <a:alpha val="60000"/>
+                    </a:schemeClr>
+                  </a:glow>
+                </a:effectLst>
+                <a:latin typeface="HGP創英角ｺﾞｼｯｸUB" panose="020B0900000000000000" pitchFamily="50" charset="-128"/>
+                <a:ea typeface="HGP創英角ｺﾞｼｯｸUB" panose="020B0900000000000000" pitchFamily="50" charset="-128"/>
+              </a:rPr>
+              <a:t>, </a:t>
+            </a:r>
+            <a:r>
+              <a:rPr lang="ja-JP" altLang="en-US" sz="4400" b="1" dirty="0">
+                <a:solidFill>
+                  <a:srgbClr val="00B050"/>
+                </a:solidFill>
+                <a:effectLst>
+                  <a:glow rad="101600">
+                    <a:schemeClr val="bg1">
+                      <a:alpha val="60000"/>
+                    </a:schemeClr>
+                  </a:glow>
+                </a:effectLst>
+                <a:latin typeface="HGP創英角ｺﾞｼｯｸUB" panose="020B0900000000000000" pitchFamily="50" charset="-128"/>
+                <a:ea typeface="HGP創英角ｺﾞｼｯｸUB" panose="020B0900000000000000" pitchFamily="50" charset="-128"/>
+              </a:rPr>
+              <a:t>なんでリメイク</a:t>
+            </a:r>
+            <a:endParaRPr lang="en-US" altLang="ja-JP" sz="4400" b="1" dirty="0">
+              <a:solidFill>
+                <a:srgbClr val="00B050"/>
+              </a:solidFill>
+              <a:effectLst>
+                <a:glow rad="101600">
+                  <a:schemeClr val="bg1">
+                    <a:alpha val="60000"/>
+                  </a:schemeClr>
+                </a:glow>
+              </a:effectLst>
+              <a:latin typeface="HGP創英角ｺﾞｼｯｸUB" panose="020B0900000000000000" pitchFamily="50" charset="-128"/>
+              <a:ea typeface="HGP創英角ｺﾞｼｯｸUB" panose="020B0900000000000000" pitchFamily="50" charset="-128"/>
+            </a:endParaRPr>
+          </a:p>
+          <a:p>
+            <a:pPr algn="r"/>
+            <a:r>
+              <a:rPr lang="ja-JP" altLang="en-US" sz="4400" b="1" dirty="0">
+                <a:solidFill>
+                  <a:srgbClr val="00B050"/>
+                </a:solidFill>
+                <a:effectLst>
+                  <a:glow rad="101600">
+                    <a:schemeClr val="bg1">
+                      <a:alpha val="60000"/>
+                    </a:schemeClr>
+                  </a:glow>
+                </a:effectLst>
+                <a:latin typeface="HGP創英角ｺﾞｼｯｸUB" panose="020B0900000000000000" pitchFamily="50" charset="-128"/>
+                <a:ea typeface="HGP創英角ｺﾞｼｯｸUB" panose="020B0900000000000000" pitchFamily="50" charset="-128"/>
+              </a:rPr>
+              <a:t>してほしいか</a:t>
+            </a:r>
+          </a:p>
+        </p:txBody>
+      </p:sp>
+      <p:sp>
+        <p:nvSpPr>
+          <p:cNvPr id="5" name="テキスト ボックス 4">
+            <a:extLst>
+              <a:ext uri="{FF2B5EF4-FFF2-40B4-BE49-F238E27FC236}">
+                <a16:creationId xmlns:a16="http://schemas.microsoft.com/office/drawing/2014/main" id="{F2474072-08C7-82CE-F021-B411B6105DA7}"/>
+              </a:ext>
+            </a:extLst>
+          </p:cNvPr>
+          <p:cNvSpPr txBox="1"/>
+          <p:nvPr/>
+        </p:nvSpPr>
+        <p:spPr>
+          <a:xfrm>
+            <a:off x="1068656" y="2143744"/>
+            <a:ext cx="9198345" cy="707886"/>
+          </a:xfrm>
+          <a:prstGeom prst="rect">
+            <a:avLst/>
+          </a:prstGeom>
+          <a:noFill/>
+        </p:spPr>
+        <p:txBody>
+          <a:bodyPr wrap="square" rtlCol="0">
+            <a:spAutoFit/>
+          </a:bodyPr>
+          <a:lstStyle/>
+          <a:p>
+            <a:pPr algn="ctr"/>
+            <a:r>
+              <a:rPr kumimoji="1" lang="ja-JP" altLang="en-US" sz="4000" b="1" dirty="0">
+                <a:effectLst>
+                  <a:glow rad="101600">
+                    <a:schemeClr val="bg1">
+                      <a:alpha val="60000"/>
+                    </a:schemeClr>
+                  </a:glow>
+                </a:effectLst>
+              </a:rPr>
+              <a:t>・ちょうどよくうろ覚え</a:t>
+            </a:r>
+          </a:p>
+        </p:txBody>
+      </p:sp>
+      <p:sp>
+        <p:nvSpPr>
+          <p:cNvPr id="6" name="テキスト ボックス 5">
+            <a:extLst>
+              <a:ext uri="{FF2B5EF4-FFF2-40B4-BE49-F238E27FC236}">
+                <a16:creationId xmlns:a16="http://schemas.microsoft.com/office/drawing/2014/main" id="{A3C0C188-D612-2BA2-1FC3-0D1FAEFB18EB}"/>
+              </a:ext>
+            </a:extLst>
+          </p:cNvPr>
+          <p:cNvSpPr txBox="1"/>
+          <p:nvPr/>
+        </p:nvSpPr>
+        <p:spPr>
+          <a:xfrm>
+            <a:off x="929051" y="3298485"/>
+            <a:ext cx="9198345" cy="707886"/>
+          </a:xfrm>
+          <a:prstGeom prst="rect">
+            <a:avLst/>
+          </a:prstGeom>
+          <a:noFill/>
+        </p:spPr>
+        <p:txBody>
+          <a:bodyPr wrap="square" rtlCol="0">
+            <a:spAutoFit/>
+          </a:bodyPr>
+          <a:lstStyle/>
+          <a:p>
+            <a:pPr algn="ctr"/>
+            <a:r>
+              <a:rPr kumimoji="1" lang="ja-JP" altLang="en-US" sz="4000" b="1" dirty="0">
+                <a:effectLst>
+                  <a:glow rad="101600">
+                    <a:schemeClr val="bg1">
+                      <a:alpha val="60000"/>
+                    </a:schemeClr>
+                  </a:glow>
+                </a:effectLst>
+              </a:rPr>
+              <a:t>・どこも配信してない</a:t>
+            </a:r>
+          </a:p>
+        </p:txBody>
+      </p:sp>
+      <p:sp>
+        <p:nvSpPr>
+          <p:cNvPr id="7" name="テキスト ボックス 6">
+            <a:extLst>
+              <a:ext uri="{FF2B5EF4-FFF2-40B4-BE49-F238E27FC236}">
+                <a16:creationId xmlns:a16="http://schemas.microsoft.com/office/drawing/2014/main" id="{1B1C53FF-A662-6E53-560A-95CAE91C1B01}"/>
+              </a:ext>
+            </a:extLst>
+          </p:cNvPr>
+          <p:cNvSpPr txBox="1"/>
+          <p:nvPr/>
+        </p:nvSpPr>
+        <p:spPr>
+          <a:xfrm>
+            <a:off x="929051" y="4453226"/>
+            <a:ext cx="9198345" cy="707886"/>
+          </a:xfrm>
+          <a:prstGeom prst="rect">
+            <a:avLst/>
+          </a:prstGeom>
+          <a:noFill/>
+        </p:spPr>
+        <p:txBody>
+          <a:bodyPr wrap="square" rtlCol="0">
+            <a:spAutoFit/>
+          </a:bodyPr>
+          <a:lstStyle/>
+          <a:p>
+            <a:pPr algn="ctr"/>
+            <a:r>
+              <a:rPr kumimoji="1" lang="ja-JP" altLang="en-US" sz="4000" b="1" dirty="0">
+                <a:effectLst>
+                  <a:glow rad="101600">
+                    <a:schemeClr val="bg1">
+                      <a:alpha val="60000"/>
+                    </a:schemeClr>
+                  </a:glow>
+                </a:effectLst>
+              </a:rPr>
+              <a:t>・知らない世代に見てほしい</a:t>
+            </a:r>
+          </a:p>
+        </p:txBody>
+      </p:sp>
+      <p:sp>
+        <p:nvSpPr>
+          <p:cNvPr id="8" name="テキスト ボックス 7">
+            <a:extLst>
+              <a:ext uri="{FF2B5EF4-FFF2-40B4-BE49-F238E27FC236}">
+                <a16:creationId xmlns:a16="http://schemas.microsoft.com/office/drawing/2014/main" id="{A473BB8C-C3BC-FF78-82E7-C9A92D8F5DE4}"/>
+              </a:ext>
+            </a:extLst>
+          </p:cNvPr>
+          <p:cNvSpPr txBox="1"/>
+          <p:nvPr/>
+        </p:nvSpPr>
+        <p:spPr>
+          <a:xfrm>
+            <a:off x="1068656" y="5607967"/>
+            <a:ext cx="9198345" cy="707886"/>
+          </a:xfrm>
+          <a:prstGeom prst="rect">
+            <a:avLst/>
+          </a:prstGeom>
+          <a:noFill/>
+        </p:spPr>
+        <p:txBody>
+          <a:bodyPr wrap="square" rtlCol="0">
+            <a:spAutoFit/>
+          </a:bodyPr>
+          <a:lstStyle/>
+          <a:p>
+            <a:pPr algn="ctr"/>
+            <a:r>
+              <a:rPr kumimoji="1" lang="ja-JP" altLang="en-US" sz="4000" b="1" dirty="0">
+                <a:effectLst>
+                  <a:glow rad="101600">
+                    <a:schemeClr val="bg1">
+                      <a:alpha val="60000"/>
+                    </a:schemeClr>
+                  </a:glow>
+                </a:effectLst>
+              </a:rPr>
+              <a:t>・当時</a:t>
+            </a:r>
+            <a:r>
+              <a:rPr kumimoji="1" lang="en-US" altLang="ja-JP" sz="4000" b="1" dirty="0">
+                <a:effectLst>
+                  <a:glow rad="101600">
+                    <a:schemeClr val="bg1">
+                      <a:alpha val="60000"/>
+                    </a:schemeClr>
+                  </a:glow>
+                </a:effectLst>
+              </a:rPr>
+              <a:t>, </a:t>
+            </a:r>
+            <a:r>
+              <a:rPr kumimoji="1" lang="ja-JP" altLang="en-US" sz="4000" b="1" dirty="0">
+                <a:effectLst>
+                  <a:glow rad="101600">
+                    <a:schemeClr val="bg1">
+                      <a:alpha val="60000"/>
+                    </a:schemeClr>
+                  </a:glow>
+                </a:effectLst>
+              </a:rPr>
+              <a:t>滅茶苦茶面白かった</a:t>
             </a:r>
           </a:p>
         </p:txBody>
@@ -4738,6 +7267,321 @@
 </file>
 
 <file path=ppt/theme/theme1.xml><?xml version="1.0" encoding="utf-8"?>
+<a:theme xmlns:a="http://schemas.openxmlformats.org/drawingml/2006/main" name="Office テーマ">
+  <a:themeElements>
+    <a:clrScheme name="Office">
+      <a:dk1>
+        <a:sysClr val="windowText" lastClr="000000"/>
+      </a:dk1>
+      <a:lt1>
+        <a:sysClr val="window" lastClr="FFFFFF"/>
+      </a:lt1>
+      <a:dk2>
+        <a:srgbClr val="0E2841"/>
+      </a:dk2>
+      <a:lt2>
+        <a:srgbClr val="E8E8E8"/>
+      </a:lt2>
+      <a:accent1>
+        <a:srgbClr val="156082"/>
+      </a:accent1>
+      <a:accent2>
+        <a:srgbClr val="E97132"/>
+      </a:accent2>
+      <a:accent3>
+        <a:srgbClr val="196B24"/>
+      </a:accent3>
+      <a:accent4>
+        <a:srgbClr val="0F9ED5"/>
+      </a:accent4>
+      <a:accent5>
+        <a:srgbClr val="A02B93"/>
+      </a:accent5>
+      <a:accent6>
+        <a:srgbClr val="4EA72E"/>
+      </a:accent6>
+      <a:hlink>
+        <a:srgbClr val="467886"/>
+      </a:hlink>
+      <a:folHlink>
+        <a:srgbClr val="96607D"/>
+      </a:folHlink>
+    </a:clrScheme>
+    <a:fontScheme name="Office">
+      <a:majorFont>
+        <a:latin typeface="游ゴシック Light" panose="02110004020202020204"/>
+        <a:ea typeface=""/>
+        <a:cs typeface=""/>
+        <a:font script="Jpan" typeface="游ゴシック Light"/>
+        <a:font script="Hang" typeface="맑은 고딕"/>
+        <a:font script="Hans" typeface="等线 Light"/>
+        <a:font script="Hant" typeface="新細明體"/>
+        <a:font script="Arab" typeface="Times New Roman"/>
+        <a:font script="Hebr" typeface="Times New Roman"/>
+        <a:font script="Thai" typeface="Angsana New"/>
+        <a:font script="Ethi" typeface="Nyala"/>
+        <a:font script="Beng" typeface="Vrinda"/>
+        <a:font script="Gujr" typeface="Shruti"/>
+        <a:font script="Khmr" typeface="MoolBoran"/>
+        <a:font script="Knda" typeface="Tunga"/>
+        <a:font script="Guru" typeface="Raavi"/>
+        <a:font script="Cans" typeface="Euphemia"/>
+        <a:font script="Cher" typeface="Plantagenet Cherokee"/>
+        <a:font script="Yiii" typeface="Microsoft Yi Baiti"/>
+        <a:font script="Tibt" typeface="Microsoft Himalaya"/>
+        <a:font script="Thaa" typeface="MV Boli"/>
+        <a:font script="Deva" typeface="Mangal"/>
+        <a:font script="Telu" typeface="Gautami"/>
+        <a:font script="Taml" typeface="Latha"/>
+        <a:font script="Syrc" typeface="Estrangelo Edessa"/>
+        <a:font script="Orya" typeface="Kalinga"/>
+        <a:font script="Mlym" typeface="Kartika"/>
+        <a:font script="Laoo" typeface="DokChampa"/>
+        <a:font script="Sinh" typeface="Iskoola Pota"/>
+        <a:font script="Mong" typeface="Mongolian Baiti"/>
+        <a:font script="Viet" typeface="Times New Roman"/>
+        <a:font script="Uigh" typeface="Microsoft Uighur"/>
+        <a:font script="Geor" typeface="Sylfaen"/>
+        <a:font script="Armn" typeface="Arial"/>
+        <a:font script="Bugi" typeface="Leelawadee UI"/>
+        <a:font script="Bopo" typeface="Microsoft JhengHei"/>
+        <a:font script="Java" typeface="Javanese Text"/>
+        <a:font script="Lisu" typeface="Segoe UI"/>
+        <a:font script="Mymr" typeface="Myanmar Text"/>
+        <a:font script="Nkoo" typeface="Ebrima"/>
+        <a:font script="Olck" typeface="Nirmala UI"/>
+        <a:font script="Osma" typeface="Ebrima"/>
+        <a:font script="Phag" typeface="Phagspa"/>
+        <a:font script="Syrn" typeface="Estrangelo Edessa"/>
+        <a:font script="Syrj" typeface="Estrangelo Edessa"/>
+        <a:font script="Syre" typeface="Estrangelo Edessa"/>
+        <a:font script="Sora" typeface="Nirmala UI"/>
+        <a:font script="Tale" typeface="Microsoft Tai Le"/>
+        <a:font script="Talu" typeface="Microsoft New Tai Lue"/>
+        <a:font script="Tfng" typeface="Ebrima"/>
+      </a:majorFont>
+      <a:minorFont>
+        <a:latin typeface="游ゴシック" panose="02110004020202020204"/>
+        <a:ea typeface=""/>
+        <a:cs typeface=""/>
+        <a:font script="Jpan" typeface="游ゴシック"/>
+        <a:font script="Hang" typeface="맑은 고딕"/>
+        <a:font script="Hans" typeface="等线"/>
+        <a:font script="Hant" typeface="新細明體"/>
+        <a:font script="Arab" typeface="Arial"/>
+        <a:font script="Hebr" typeface="Arial"/>
+        <a:font script="Thai" typeface="Cordia New"/>
+        <a:font script="Ethi" typeface="Nyala"/>
+        <a:font script="Beng" typeface="Vrinda"/>
+        <a:font script="Gujr" typeface="Shruti"/>
+        <a:font script="Khmr" typeface="DaunPenh"/>
+        <a:font script="Knda" typeface="Tunga"/>
+        <a:font script="Guru" typeface="Raavi"/>
+        <a:font script="Cans" typeface="Euphemia"/>
+        <a:font script="Cher" typeface="Plantagenet Cherokee"/>
+        <a:font script="Yiii" typeface="Microsoft Yi Baiti"/>
+        <a:font script="Tibt" typeface="Microsoft Himalaya"/>
+        <a:font script="Thaa" typeface="MV Boli"/>
+        <a:font script="Deva" typeface="Mangal"/>
+        <a:font script="Telu" typeface="Gautami"/>
+        <a:font script="Taml" typeface="Latha"/>
+        <a:font script="Syrc" typeface="Estrangelo Edessa"/>
+        <a:font script="Orya" typeface="Kalinga"/>
+        <a:font script="Mlym" typeface="Kartika"/>
+        <a:font script="Laoo" typeface="DokChampa"/>
+        <a:font script="Sinh" typeface="Iskoola Pota"/>
+        <a:font script="Mong" typeface="Mongolian Baiti"/>
+        <a:font script="Viet" typeface="Arial"/>
+        <a:font script="Uigh" typeface="Microsoft Uighur"/>
+        <a:font script="Geor" typeface="Sylfaen"/>
+        <a:font script="Armn" typeface="Arial"/>
+        <a:font script="Bugi" typeface="Leelawadee UI"/>
+        <a:font script="Bopo" typeface="Microsoft JhengHei"/>
+        <a:font script="Java" typeface="Javanese Text"/>
+        <a:font script="Lisu" typeface="Segoe UI"/>
+        <a:font script="Mymr" typeface="Myanmar Text"/>
+        <a:font script="Nkoo" typeface="Ebrima"/>
+        <a:font script="Olck" typeface="Nirmala UI"/>
+        <a:font script="Osma" typeface="Ebrima"/>
+        <a:font script="Phag" typeface="Phagspa"/>
+        <a:font script="Syrn" typeface="Estrangelo Edessa"/>
+        <a:font script="Syrj" typeface="Estrangelo Edessa"/>
+        <a:font script="Syre" typeface="Estrangelo Edessa"/>
+        <a:font script="Sora" typeface="Nirmala UI"/>
+        <a:font script="Tale" typeface="Microsoft Tai Le"/>
+        <a:font script="Talu" typeface="Microsoft New Tai Lue"/>
+        <a:font script="Tfng" typeface="Ebrima"/>
+      </a:minorFont>
+    </a:fontScheme>
+    <a:fmtScheme name="Office">
+      <a:fillStyleLst>
+        <a:solidFill>
+          <a:schemeClr val="phClr"/>
+        </a:solidFill>
+        <a:gradFill rotWithShape="1">
+          <a:gsLst>
+            <a:gs pos="0">
+              <a:schemeClr val="phClr">
+                <a:lumMod val="110000"/>
+                <a:satMod val="105000"/>
+                <a:tint val="67000"/>
+              </a:schemeClr>
+            </a:gs>
+            <a:gs pos="50000">
+              <a:schemeClr val="phClr">
+                <a:lumMod val="105000"/>
+                <a:satMod val="103000"/>
+                <a:tint val="73000"/>
+              </a:schemeClr>
+            </a:gs>
+            <a:gs pos="100000">
+              <a:schemeClr val="phClr">
+                <a:lumMod val="105000"/>
+                <a:satMod val="109000"/>
+                <a:tint val="81000"/>
+              </a:schemeClr>
+            </a:gs>
+          </a:gsLst>
+          <a:lin ang="5400000" scaled="0"/>
+        </a:gradFill>
+        <a:gradFill rotWithShape="1">
+          <a:gsLst>
+            <a:gs pos="0">
+              <a:schemeClr val="phClr">
+                <a:satMod val="103000"/>
+                <a:lumMod val="102000"/>
+                <a:tint val="94000"/>
+              </a:schemeClr>
+            </a:gs>
+            <a:gs pos="50000">
+              <a:schemeClr val="phClr">
+                <a:satMod val="110000"/>
+                <a:lumMod val="100000"/>
+                <a:shade val="100000"/>
+              </a:schemeClr>
+            </a:gs>
+            <a:gs pos="100000">
+              <a:schemeClr val="phClr">
+                <a:lumMod val="99000"/>
+                <a:satMod val="120000"/>
+                <a:shade val="78000"/>
+              </a:schemeClr>
+            </a:gs>
+          </a:gsLst>
+          <a:lin ang="5400000" scaled="0"/>
+        </a:gradFill>
+      </a:fillStyleLst>
+      <a:lnStyleLst>
+        <a:ln w="12700" cap="flat" cmpd="sng" algn="ctr">
+          <a:solidFill>
+            <a:schemeClr val="phClr"/>
+          </a:solidFill>
+          <a:prstDash val="solid"/>
+          <a:miter lim="800000"/>
+        </a:ln>
+        <a:ln w="19050" cap="flat" cmpd="sng" algn="ctr">
+          <a:solidFill>
+            <a:schemeClr val="phClr"/>
+          </a:solidFill>
+          <a:prstDash val="solid"/>
+          <a:miter lim="800000"/>
+        </a:ln>
+        <a:ln w="25400" cap="flat" cmpd="sng" algn="ctr">
+          <a:solidFill>
+            <a:schemeClr val="phClr"/>
+          </a:solidFill>
+          <a:prstDash val="solid"/>
+          <a:miter lim="800000"/>
+        </a:ln>
+      </a:lnStyleLst>
+      <a:effectStyleLst>
+        <a:effectStyle>
+          <a:effectLst/>
+        </a:effectStyle>
+        <a:effectStyle>
+          <a:effectLst/>
+        </a:effectStyle>
+        <a:effectStyle>
+          <a:effectLst>
+            <a:outerShdw blurRad="57150" dist="19050" dir="5400000" algn="ctr" rotWithShape="0">
+              <a:srgbClr val="000000">
+                <a:alpha val="63000"/>
+              </a:srgbClr>
+            </a:outerShdw>
+          </a:effectLst>
+        </a:effectStyle>
+      </a:effectStyleLst>
+      <a:bgFillStyleLst>
+        <a:solidFill>
+          <a:schemeClr val="phClr"/>
+        </a:solidFill>
+        <a:solidFill>
+          <a:schemeClr val="phClr">
+            <a:tint val="95000"/>
+            <a:satMod val="170000"/>
+          </a:schemeClr>
+        </a:solidFill>
+        <a:gradFill rotWithShape="1">
+          <a:gsLst>
+            <a:gs pos="0">
+              <a:schemeClr val="phClr">
+                <a:tint val="93000"/>
+                <a:satMod val="150000"/>
+                <a:shade val="98000"/>
+                <a:lumMod val="102000"/>
+              </a:schemeClr>
+            </a:gs>
+            <a:gs pos="50000">
+              <a:schemeClr val="phClr">
+                <a:tint val="98000"/>
+                <a:satMod val="130000"/>
+                <a:shade val="90000"/>
+                <a:lumMod val="103000"/>
+              </a:schemeClr>
+            </a:gs>
+            <a:gs pos="100000">
+              <a:schemeClr val="phClr">
+                <a:shade val="63000"/>
+                <a:satMod val="120000"/>
+              </a:schemeClr>
+            </a:gs>
+          </a:gsLst>
+          <a:lin ang="5400000" scaled="0"/>
+        </a:gradFill>
+      </a:bgFillStyleLst>
+    </a:fmtScheme>
+  </a:themeElements>
+  <a:objectDefaults>
+    <a:lnDef>
+      <a:spPr/>
+      <a:bodyPr/>
+      <a:lstStyle/>
+      <a:style>
+        <a:lnRef idx="2">
+          <a:schemeClr val="accent1"/>
+        </a:lnRef>
+        <a:fillRef idx="0">
+          <a:schemeClr val="accent1"/>
+        </a:fillRef>
+        <a:effectRef idx="1">
+          <a:schemeClr val="accent1"/>
+        </a:effectRef>
+        <a:fontRef idx="minor">
+          <a:schemeClr val="tx1"/>
+        </a:fontRef>
+      </a:style>
+    </a:lnDef>
+  </a:objectDefaults>
+  <a:extraClrSchemeLst/>
+  <a:extLst>
+    <a:ext uri="{05A4C25C-085E-4340-85A3-A5531E510DB2}">
+      <thm15:themeFamily xmlns:thm15="http://schemas.microsoft.com/office/thememl/2012/main" name="Office Theme" id="{2E142A2C-CD16-42D6-873A-C26D2A0506FA}" vid="{1BDDFF52-6CD6-40A5-AB3C-68EB2F1E4D0A}"/>
+    </a:ext>
+  </a:extLst>
+</a:theme>
+</file>
+
+<file path=ppt/theme/theme2.xml><?xml version="1.0" encoding="utf-8"?>
 <a:theme xmlns:a="http://schemas.openxmlformats.org/drawingml/2006/main" name="Office テーマ">
   <a:themeElements>
     <a:clrScheme name="Office">
@@ -5203,18 +8047,18 @@
 </file>
 
 <file path=customXml/item2.xml><?xml version="1.0" encoding="utf-8"?>
+<p:properties xmlns:p="http://schemas.microsoft.com/office/2006/metadata/properties" xmlns:xsi="http://www.w3.org/2001/XMLSchema-instance" xmlns:pc="http://schemas.microsoft.com/office/infopath/2007/PartnerControls">
+  <documentManagement/>
+</p:properties>
+</file>
+
+<file path=customXml/item3.xml><?xml version="1.0" encoding="utf-8"?>
 <?mso-contentType ?>
 <FormTemplates xmlns="http://schemas.microsoft.com/sharepoint/v3/contenttype/forms">
   <Display>DocumentLibraryForm</Display>
   <Edit>DocumentLibraryForm</Edit>
   <New>DocumentLibraryForm</New>
 </FormTemplates>
-</file>
-
-<file path=customXml/item3.xml><?xml version="1.0" encoding="utf-8"?>
-<p:properties xmlns:p="http://schemas.microsoft.com/office/2006/metadata/properties" xmlns:xsi="http://www.w3.org/2001/XMLSchema-instance" xmlns:pc="http://schemas.microsoft.com/office/infopath/2007/PartnerControls">
-  <documentManagement/>
-</p:properties>
 </file>
 
 <file path=customXml/itemProps1.xml><?xml version="1.0" encoding="utf-8"?>
@@ -5236,14 +8080,6 @@
 </file>
 
 <file path=customXml/itemProps2.xml><?xml version="1.0" encoding="utf-8"?>
-<ds:datastoreItem xmlns:ds="http://schemas.openxmlformats.org/officeDocument/2006/customXml" ds:itemID="{8DB01A74-F9AF-4AE5-92DA-91D326AA7811}">
-  <ds:schemaRefs>
-    <ds:schemaRef ds:uri="http://schemas.microsoft.com/sharepoint/v3/contenttype/forms"/>
-  </ds:schemaRefs>
-</ds:datastoreItem>
-</file>
-
-<file path=customXml/itemProps3.xml><?xml version="1.0" encoding="utf-8"?>
 <ds:datastoreItem xmlns:ds="http://schemas.openxmlformats.org/officeDocument/2006/customXml" ds:itemID="{36D1AFC9-ECD9-46DF-94DA-EB8CDFC66A3B}">
   <ds:schemaRefs>
     <ds:schemaRef ds:uri="f9bed73b-e658-49b5-bba4-544b5c108067"/>
@@ -5257,4 +8093,12 @@
     <ds:schemaRef ds:uri="http://purl.org/dc/terms/"/>
   </ds:schemaRefs>
 </ds:datastoreItem>
+</file>
+
+<file path=customXml/itemProps3.xml><?xml version="1.0" encoding="utf-8"?>
+<ds:datastoreItem xmlns:ds="http://schemas.openxmlformats.org/officeDocument/2006/customXml" ds:itemID="{8DB01A74-F9AF-4AE5-92DA-91D326AA7811}">
+  <ds:schemaRefs>
+    <ds:schemaRef ds:uri="http://schemas.microsoft.com/sharepoint/v3/contenttype/forms"/>
+  </ds:schemaRefs>
+</ds:datastoreItem>
 </file>